--- a/GERENCIAMENTO DO TEMPO DO PROJETO.pptx
+++ b/GERENCIAMENTO DO TEMPO DO PROJETO.pptx
@@ -6,7 +6,7 @@
     <p:sldMasterId id="2147483778" r:id="rId2"/>
   </p:sldMasterIdLst>
   <p:notesMasterIdLst>
-    <p:notesMasterId r:id="rId12"/>
+    <p:notesMasterId r:id="rId17"/>
   </p:notesMasterIdLst>
   <p:sldIdLst>
     <p:sldId id="256" r:id="rId3"/>
@@ -15,9 +15,14 @@
     <p:sldId id="264" r:id="rId6"/>
     <p:sldId id="258" r:id="rId7"/>
     <p:sldId id="259" r:id="rId8"/>
-    <p:sldId id="261" r:id="rId9"/>
-    <p:sldId id="262" r:id="rId10"/>
-    <p:sldId id="263" r:id="rId11"/>
+    <p:sldId id="265" r:id="rId9"/>
+    <p:sldId id="266" r:id="rId10"/>
+    <p:sldId id="267" r:id="rId11"/>
+    <p:sldId id="268" r:id="rId12"/>
+    <p:sldId id="269" r:id="rId13"/>
+    <p:sldId id="261" r:id="rId14"/>
+    <p:sldId id="262" r:id="rId15"/>
+    <p:sldId id="263" r:id="rId16"/>
   </p:sldIdLst>
   <p:sldSz cx="12192000" cy="6858000"/>
   <p:notesSz cx="6858000" cy="9144000"/>
@@ -206,7 +211,7 @@
           <a:p>
             <a:fld id="{55A54046-86AD-4F73-B429-F4950E34E05D}" type="datetimeFigureOut">
               <a:rPr lang="pt-BR" smtClean="0"/>
-              <a:t>08/05/2016</a:t>
+              <a:t>14/05/2016</a:t>
             </a:fld>
             <a:endParaRPr lang="pt-BR"/>
           </a:p>
@@ -783,7 +788,7 @@
           <a:p>
             <a:fld id="{9080F730-6E62-4001-9560-BCF41BE9EC22}" type="datetime1">
               <a:rPr lang="pt-BR" smtClean="0"/>
-              <a:t>08/05/2016</a:t>
+              <a:t>14/05/2016</a:t>
             </a:fld>
             <a:endParaRPr lang="pt-BR"/>
           </a:p>
@@ -956,7 +961,7 @@
           <a:p>
             <a:fld id="{532E7A99-8EE6-4505-8E1F-20BB061D7BBF}" type="datetime1">
               <a:rPr lang="pt-BR" smtClean="0"/>
-              <a:t>08/05/2016</a:t>
+              <a:t>14/05/2016</a:t>
             </a:fld>
             <a:endParaRPr lang="pt-BR"/>
           </a:p>
@@ -1139,7 +1144,7 @@
           <a:p>
             <a:fld id="{C2475B68-2C13-4F97-8EBC-D4A5C921CDB4}" type="datetime1">
               <a:rPr lang="pt-BR" smtClean="0"/>
-              <a:t>08/05/2016</a:t>
+              <a:t>14/05/2016</a:t>
             </a:fld>
             <a:endParaRPr lang="pt-BR"/>
           </a:p>
@@ -1391,7 +1396,7 @@
           <a:p>
             <a:fld id="{05A86FA6-8616-48F3-B4AC-FCCA26ACACB4}" type="datetime1">
               <a:rPr lang="pt-BR" smtClean="0"/>
-              <a:t>08/05/2016</a:t>
+              <a:t>14/05/2016</a:t>
             </a:fld>
             <a:endParaRPr lang="pt-BR"/>
           </a:p>
@@ -1661,7 +1666,7 @@
           <a:p>
             <a:fld id="{B1316E27-950D-40B9-8A49-3463212A954D}" type="datetime1">
               <a:rPr lang="pt-BR" smtClean="0"/>
-              <a:t>08/05/2016</a:t>
+              <a:t>14/05/2016</a:t>
             </a:fld>
             <a:endParaRPr lang="pt-BR"/>
           </a:p>
@@ -1993,7 +1998,7 @@
           <a:p>
             <a:fld id="{7A65F5D2-A710-426F-A5C3-7E354EB1F3FC}" type="datetime1">
               <a:rPr lang="pt-BR" smtClean="0"/>
-              <a:t>08/05/2016</a:t>
+              <a:t>14/05/2016</a:t>
             </a:fld>
             <a:endParaRPr lang="pt-BR"/>
           </a:p>
@@ -2319,7 +2324,7 @@
           <a:p>
             <a:fld id="{1F939DD6-E2BE-4816-AD2B-EFB9313FCEA3}" type="datetime1">
               <a:rPr lang="pt-BR" smtClean="0"/>
-              <a:t>08/05/2016</a:t>
+              <a:t>14/05/2016</a:t>
             </a:fld>
             <a:endParaRPr lang="pt-BR"/>
           </a:p>
@@ -2779,7 +2784,7 @@
           <a:p>
             <a:fld id="{057CC2F5-493D-48A8-9C5F-515C16027E2E}" type="datetime1">
               <a:rPr lang="pt-BR" smtClean="0"/>
-              <a:t>08/05/2016</a:t>
+              <a:t>14/05/2016</a:t>
             </a:fld>
             <a:endParaRPr lang="pt-BR"/>
           </a:p>
@@ -2987,7 +2992,7 @@
           <a:p>
             <a:fld id="{95FC0577-C7F6-4B89-A6AD-A7405E30C6C0}" type="datetime1">
               <a:rPr lang="pt-BR" smtClean="0"/>
-              <a:t>08/05/2016</a:t>
+              <a:t>14/05/2016</a:t>
             </a:fld>
             <a:endParaRPr lang="pt-BR"/>
           </a:p>
@@ -3167,7 +3172,7 @@
           <a:p>
             <a:fld id="{75D4078C-6577-4737-A21E-FAD2E33D1047}" type="datetime1">
               <a:rPr lang="pt-BR" smtClean="0"/>
-              <a:t>08/05/2016</a:t>
+              <a:t>14/05/2016</a:t>
             </a:fld>
             <a:endParaRPr lang="pt-BR"/>
           </a:p>
@@ -3503,7 +3508,7 @@
           <a:p>
             <a:fld id="{8CF4199B-0365-4F14-9E01-B67EDF73368F}" type="datetime1">
               <a:rPr lang="pt-BR" smtClean="0"/>
-              <a:t>08/05/2016</a:t>
+              <a:t>14/05/2016</a:t>
             </a:fld>
             <a:endParaRPr lang="pt-BR"/>
           </a:p>
@@ -3758,7 +3763,7 @@
           <a:p>
             <a:fld id="{670DD8E6-7E53-44B3-95E0-3AE339FD1C84}" type="datetime1">
               <a:rPr lang="pt-BR" smtClean="0"/>
-              <a:t>08/05/2016</a:t>
+              <a:t>14/05/2016</a:t>
             </a:fld>
             <a:endParaRPr lang="pt-BR"/>
           </a:p>
@@ -4024,7 +4029,7 @@
           <a:p>
             <a:fld id="{F7A9162F-D208-4302-99BD-ACDE578B5541}" type="datetime1">
               <a:rPr lang="pt-BR" smtClean="0"/>
-              <a:t>08/05/2016</a:t>
+              <a:t>14/05/2016</a:t>
             </a:fld>
             <a:endParaRPr lang="pt-BR"/>
           </a:p>
@@ -4365,7 +4370,7 @@
           <a:p>
             <a:fld id="{0508DFE2-4652-41F3-827F-C9A2BA14195A}" type="datetime1">
               <a:rPr lang="pt-BR" smtClean="0"/>
-              <a:t>08/05/2016</a:t>
+              <a:t>14/05/2016</a:t>
             </a:fld>
             <a:endParaRPr lang="pt-BR"/>
           </a:p>
@@ -4770,7 +4775,7 @@
           <a:p>
             <a:fld id="{0508DFE2-4652-41F3-827F-C9A2BA14195A}" type="datetime1">
               <a:rPr lang="pt-BR" smtClean="0"/>
-              <a:t>08/05/2016</a:t>
+              <a:t>14/05/2016</a:t>
             </a:fld>
             <a:endParaRPr lang="pt-BR"/>
           </a:p>
@@ -5110,7 +5115,7 @@
           <a:p>
             <a:fld id="{0508DFE2-4652-41F3-827F-C9A2BA14195A}" type="datetime1">
               <a:rPr lang="pt-BR" smtClean="0"/>
-              <a:t>08/05/2016</a:t>
+              <a:t>14/05/2016</a:t>
             </a:fld>
             <a:endParaRPr lang="pt-BR"/>
           </a:p>
@@ -5434,7 +5439,7 @@
           <a:p>
             <a:fld id="{0508DFE2-4652-41F3-827F-C9A2BA14195A}" type="datetime1">
               <a:rPr lang="pt-BR" smtClean="0"/>
-              <a:t>08/05/2016</a:t>
+              <a:t>14/05/2016</a:t>
             </a:fld>
             <a:endParaRPr lang="pt-BR"/>
           </a:p>
@@ -5834,7 +5839,7 @@
           <a:p>
             <a:fld id="{0508DFE2-4652-41F3-827F-C9A2BA14195A}" type="datetime1">
               <a:rPr lang="pt-BR" smtClean="0"/>
-              <a:t>08/05/2016</a:t>
+              <a:t>14/05/2016</a:t>
             </a:fld>
             <a:endParaRPr lang="pt-BR"/>
           </a:p>
@@ -6095,7 +6100,7 @@
           <a:p>
             <a:fld id="{87B77DDF-3B70-4799-AC7A-A801FDBC43BE}" type="datetime1">
               <a:rPr lang="pt-BR" smtClean="0"/>
-              <a:t>08/05/2016</a:t>
+              <a:t>14/05/2016</a:t>
             </a:fld>
             <a:endParaRPr lang="pt-BR"/>
           </a:p>
@@ -6360,7 +6365,7 @@
           <a:p>
             <a:fld id="{E726A70C-0FB0-43B5-ABD4-6875AAD5A9ED}" type="datetime1">
               <a:rPr lang="pt-BR" smtClean="0"/>
-              <a:t>08/05/2016</a:t>
+              <a:t>14/05/2016</a:t>
             </a:fld>
             <a:endParaRPr lang="pt-BR"/>
           </a:p>
@@ -6696,7 +6701,7 @@
           <a:p>
             <a:fld id="{F98F91F4-AE67-48E5-B32D-ECBC1B48D03F}" type="datetime1">
               <a:rPr lang="pt-BR" smtClean="0"/>
-              <a:t>08/05/2016</a:t>
+              <a:t>14/05/2016</a:t>
             </a:fld>
             <a:endParaRPr lang="pt-BR"/>
           </a:p>
@@ -6931,7 +6936,7 @@
           <a:p>
             <a:fld id="{7E1EAD6D-1BB6-4B4E-85B9-C00C2E761DDF}" type="datetime1">
               <a:rPr lang="pt-BR" smtClean="0"/>
-              <a:t>08/05/2016</a:t>
+              <a:t>14/05/2016</a:t>
             </a:fld>
             <a:endParaRPr lang="pt-BR"/>
           </a:p>
@@ -7281,7 +7286,7 @@
           <a:p>
             <a:fld id="{0B1731E2-81B3-4417-95DA-8536F39540FB}" type="datetime1">
               <a:rPr lang="pt-BR" smtClean="0"/>
-              <a:t>08/05/2016</a:t>
+              <a:t>14/05/2016</a:t>
             </a:fld>
             <a:endParaRPr lang="pt-BR"/>
           </a:p>
@@ -7402,7 +7407,7 @@
           <a:p>
             <a:fld id="{2CA65B17-9BC9-492D-A3A2-F3989EAF5F85}" type="datetime1">
               <a:rPr lang="pt-BR" smtClean="0"/>
-              <a:t>08/05/2016</a:t>
+              <a:t>14/05/2016</a:t>
             </a:fld>
             <a:endParaRPr lang="pt-BR"/>
           </a:p>
@@ -7523,7 +7528,7 @@
           <a:p>
             <a:fld id="{FE6597BE-2610-4C06-A38B-3FE23213DF28}" type="datetime1">
               <a:rPr lang="pt-BR" smtClean="0"/>
-              <a:t>08/05/2016</a:t>
+              <a:t>14/05/2016</a:t>
             </a:fld>
             <a:endParaRPr lang="pt-BR"/>
           </a:p>
@@ -7810,7 +7815,7 @@
           <a:p>
             <a:fld id="{BA788789-1ACE-4D1B-A2D1-F0A871528844}" type="datetime1">
               <a:rPr lang="pt-BR" smtClean="0"/>
-              <a:t>08/05/2016</a:t>
+              <a:t>14/05/2016</a:t>
             </a:fld>
             <a:endParaRPr lang="pt-BR"/>
           </a:p>
@@ -8077,7 +8082,7 @@
           <a:p>
             <a:fld id="{7A99FA8B-6340-483D-B278-B3203D26162E}" type="datetime1">
               <a:rPr lang="pt-BR" smtClean="0"/>
-              <a:t>08/05/2016</a:t>
+              <a:t>14/05/2016</a:t>
             </a:fld>
             <a:endParaRPr lang="pt-BR"/>
           </a:p>
@@ -8294,7 +8299,7 @@
           <a:p>
             <a:fld id="{0508DFE2-4652-41F3-827F-C9A2BA14195A}" type="datetime1">
               <a:rPr lang="pt-BR" smtClean="0"/>
-              <a:t>08/05/2016</a:t>
+              <a:t>14/05/2016</a:t>
             </a:fld>
             <a:endParaRPr lang="pt-BR"/>
           </a:p>
@@ -10644,7 +10649,7 @@
           <a:p>
             <a:fld id="{0508DFE2-4652-41F3-827F-C9A2BA14195A}" type="datetime1">
               <a:rPr lang="pt-BR" smtClean="0"/>
-              <a:t>08/05/2016</a:t>
+              <a:t>14/05/2016</a:t>
             </a:fld>
             <a:endParaRPr lang="pt-BR"/>
           </a:p>
@@ -11224,6 +11229,622 @@
 </p:sld>
 </file>
 
+<file path=ppt/slides/slide10.xml><?xml version="1.0" encoding="utf-8"?>
+<p:sld xmlns:a="http://schemas.openxmlformats.org/drawingml/2006/main" xmlns:r="http://schemas.openxmlformats.org/officeDocument/2006/relationships" xmlns:p="http://schemas.openxmlformats.org/presentationml/2006/main">
+  <p:cSld>
+    <p:spTree>
+      <p:nvGrpSpPr>
+        <p:cNvPr id="1" name=""/>
+        <p:cNvGrpSpPr/>
+        <p:nvPr/>
+      </p:nvGrpSpPr>
+      <p:grpSpPr>
+        <a:xfrm>
+          <a:off x="0" y="0"/>
+          <a:ext cx="0" cy="0"/>
+          <a:chOff x="0" y="0"/>
+          <a:chExt cx="0" cy="0"/>
+        </a:xfrm>
+      </p:grpSpPr>
+      <p:sp>
+        <p:nvSpPr>
+          <p:cNvPr id="2" name="Título 1"/>
+          <p:cNvSpPr>
+            <a:spLocks noGrp="1"/>
+          </p:cNvSpPr>
+          <p:nvPr>
+            <p:ph type="title"/>
+          </p:nvPr>
+        </p:nvSpPr>
+        <p:spPr/>
+        <p:txBody>
+          <a:bodyPr/>
+          <a:lstStyle/>
+          <a:p>
+            <a:r>
+              <a:rPr lang="pt-BR" b="1" dirty="0"/>
+              <a:t>6.1.2 Planejar o gerenciamento do cronograma: ferramentas e técnicas</a:t>
+            </a:r>
+            <a:endParaRPr lang="pt-BR" dirty="0"/>
+          </a:p>
+        </p:txBody>
+      </p:sp>
+      <p:sp>
+        <p:nvSpPr>
+          <p:cNvPr id="3" name="Espaço Reservado para Conteúdo 2"/>
+          <p:cNvSpPr>
+            <a:spLocks noGrp="1"/>
+          </p:cNvSpPr>
+          <p:nvPr>
+            <p:ph idx="1"/>
+          </p:nvPr>
+        </p:nvSpPr>
+        <p:spPr/>
+        <p:txBody>
+          <a:bodyPr/>
+          <a:lstStyle/>
+          <a:p>
+            <a:r>
+              <a:rPr lang="pt-BR" b="1" dirty="0"/>
+              <a:t>6.1.2.1 Opinião especializada</a:t>
+            </a:r>
+          </a:p>
+          <a:p>
+            <a:r>
+              <a:rPr lang="pt-BR" b="1" dirty="0"/>
+              <a:t>6.1.2.2 Técnicas analíticas</a:t>
+            </a:r>
+          </a:p>
+          <a:p>
+            <a:r>
+              <a:rPr lang="pt-BR" b="1" dirty="0"/>
+              <a:t>6.1.2.3 Reuniões</a:t>
+            </a:r>
+            <a:endParaRPr lang="pt-BR" dirty="0"/>
+          </a:p>
+        </p:txBody>
+      </p:sp>
+      <p:sp>
+        <p:nvSpPr>
+          <p:cNvPr id="4" name="Espaço Reservado para Rodapé 3"/>
+          <p:cNvSpPr>
+            <a:spLocks noGrp="1"/>
+          </p:cNvSpPr>
+          <p:nvPr>
+            <p:ph type="ftr" sz="quarter" idx="11"/>
+          </p:nvPr>
+        </p:nvSpPr>
+        <p:spPr/>
+        <p:txBody>
+          <a:bodyPr/>
+          <a:lstStyle/>
+          <a:p>
+            <a:r>
+              <a:rPr lang="pt-BR"/>
+              <a:t>Gestão de Tempo</a:t>
+            </a:r>
+          </a:p>
+        </p:txBody>
+      </p:sp>
+      <p:sp>
+        <p:nvSpPr>
+          <p:cNvPr id="5" name="Espaço Reservado para Número de Slide 4"/>
+          <p:cNvSpPr>
+            <a:spLocks noGrp="1"/>
+          </p:cNvSpPr>
+          <p:nvPr>
+            <p:ph type="sldNum" sz="quarter" idx="12"/>
+          </p:nvPr>
+        </p:nvSpPr>
+        <p:spPr/>
+        <p:txBody>
+          <a:bodyPr/>
+          <a:lstStyle/>
+          <a:p>
+            <a:fld id="{E00582C5-1892-4DFB-94B5-D9561028E520}" type="slidenum">
+              <a:rPr lang="pt-BR" smtClean="0"/>
+              <a:t>10</a:t>
+            </a:fld>
+            <a:endParaRPr lang="pt-BR"/>
+          </a:p>
+        </p:txBody>
+      </p:sp>
+    </p:spTree>
+    <p:extLst>
+      <p:ext uri="{BB962C8B-B14F-4D97-AF65-F5344CB8AC3E}">
+        <p14:creationId xmlns:p14="http://schemas.microsoft.com/office/powerpoint/2010/main" val="951629819"/>
+      </p:ext>
+    </p:extLst>
+  </p:cSld>
+  <p:clrMapOvr>
+    <a:masterClrMapping/>
+  </p:clrMapOvr>
+</p:sld>
+</file>
+
+<file path=ppt/slides/slide11.xml><?xml version="1.0" encoding="utf-8"?>
+<p:sld xmlns:a="http://schemas.openxmlformats.org/drawingml/2006/main" xmlns:r="http://schemas.openxmlformats.org/officeDocument/2006/relationships" xmlns:p="http://schemas.openxmlformats.org/presentationml/2006/main">
+  <p:cSld>
+    <p:spTree>
+      <p:nvGrpSpPr>
+        <p:cNvPr id="1" name=""/>
+        <p:cNvGrpSpPr/>
+        <p:nvPr/>
+      </p:nvGrpSpPr>
+      <p:grpSpPr>
+        <a:xfrm>
+          <a:off x="0" y="0"/>
+          <a:ext cx="0" cy="0"/>
+          <a:chOff x="0" y="0"/>
+          <a:chExt cx="0" cy="0"/>
+        </a:xfrm>
+      </p:grpSpPr>
+      <p:sp>
+        <p:nvSpPr>
+          <p:cNvPr id="2" name="Título 1"/>
+          <p:cNvSpPr>
+            <a:spLocks noGrp="1"/>
+          </p:cNvSpPr>
+          <p:nvPr>
+            <p:ph type="title"/>
+          </p:nvPr>
+        </p:nvSpPr>
+        <p:spPr/>
+        <p:txBody>
+          <a:bodyPr/>
+          <a:lstStyle/>
+          <a:p>
+            <a:r>
+              <a:rPr lang="pt-BR" b="1" dirty="0"/>
+              <a:t>6.1.3 Planejar o gerenciamento do cronograma: saídas</a:t>
+            </a:r>
+            <a:endParaRPr lang="pt-BR" dirty="0"/>
+          </a:p>
+        </p:txBody>
+      </p:sp>
+      <p:sp>
+        <p:nvSpPr>
+          <p:cNvPr id="3" name="Espaço Reservado para Conteúdo 2"/>
+          <p:cNvSpPr>
+            <a:spLocks noGrp="1"/>
+          </p:cNvSpPr>
+          <p:nvPr>
+            <p:ph idx="1"/>
+          </p:nvPr>
+        </p:nvSpPr>
+        <p:spPr/>
+        <p:txBody>
+          <a:bodyPr/>
+          <a:lstStyle/>
+          <a:p>
+            <a:r>
+              <a:rPr lang="pt-BR" b="1" dirty="0"/>
+              <a:t>6.1.3.1 Plano de gerenciamento do cronograma</a:t>
+            </a:r>
+            <a:endParaRPr lang="pt-BR" dirty="0"/>
+          </a:p>
+        </p:txBody>
+      </p:sp>
+      <p:sp>
+        <p:nvSpPr>
+          <p:cNvPr id="4" name="Espaço Reservado para Rodapé 3"/>
+          <p:cNvSpPr>
+            <a:spLocks noGrp="1"/>
+          </p:cNvSpPr>
+          <p:nvPr>
+            <p:ph type="ftr" sz="quarter" idx="11"/>
+          </p:nvPr>
+        </p:nvSpPr>
+        <p:spPr/>
+        <p:txBody>
+          <a:bodyPr/>
+          <a:lstStyle/>
+          <a:p>
+            <a:r>
+              <a:rPr lang="pt-BR"/>
+              <a:t>Gestão de Tempo</a:t>
+            </a:r>
+          </a:p>
+        </p:txBody>
+      </p:sp>
+      <p:sp>
+        <p:nvSpPr>
+          <p:cNvPr id="5" name="Espaço Reservado para Número de Slide 4"/>
+          <p:cNvSpPr>
+            <a:spLocks noGrp="1"/>
+          </p:cNvSpPr>
+          <p:nvPr>
+            <p:ph type="sldNum" sz="quarter" idx="12"/>
+          </p:nvPr>
+        </p:nvSpPr>
+        <p:spPr/>
+        <p:txBody>
+          <a:bodyPr/>
+          <a:lstStyle/>
+          <a:p>
+            <a:fld id="{E00582C5-1892-4DFB-94B5-D9561028E520}" type="slidenum">
+              <a:rPr lang="pt-BR" smtClean="0"/>
+              <a:t>11</a:t>
+            </a:fld>
+            <a:endParaRPr lang="pt-BR"/>
+          </a:p>
+        </p:txBody>
+      </p:sp>
+    </p:spTree>
+    <p:extLst>
+      <p:ext uri="{BB962C8B-B14F-4D97-AF65-F5344CB8AC3E}">
+        <p14:creationId xmlns:p14="http://schemas.microsoft.com/office/powerpoint/2010/main" val="3952023312"/>
+      </p:ext>
+    </p:extLst>
+  </p:cSld>
+  <p:clrMapOvr>
+    <a:masterClrMapping/>
+  </p:clrMapOvr>
+</p:sld>
+</file>
+
+<file path=ppt/slides/slide12.xml><?xml version="1.0" encoding="utf-8"?>
+<p:sld xmlns:a="http://schemas.openxmlformats.org/drawingml/2006/main" xmlns:r="http://schemas.openxmlformats.org/officeDocument/2006/relationships" xmlns:p="http://schemas.openxmlformats.org/presentationml/2006/main">
+  <p:cSld>
+    <p:spTree>
+      <p:nvGrpSpPr>
+        <p:cNvPr id="1" name=""/>
+        <p:cNvGrpSpPr/>
+        <p:nvPr/>
+      </p:nvGrpSpPr>
+      <p:grpSpPr>
+        <a:xfrm>
+          <a:off x="0" y="0"/>
+          <a:ext cx="0" cy="0"/>
+          <a:chOff x="0" y="0"/>
+          <a:chExt cx="0" cy="0"/>
+        </a:xfrm>
+      </p:grpSpPr>
+      <p:sp>
+        <p:nvSpPr>
+          <p:cNvPr id="2" name="Título 1"/>
+          <p:cNvSpPr>
+            <a:spLocks noGrp="1"/>
+          </p:cNvSpPr>
+          <p:nvPr>
+            <p:ph type="title"/>
+          </p:nvPr>
+        </p:nvSpPr>
+        <p:spPr/>
+        <p:txBody>
+          <a:bodyPr/>
+          <a:lstStyle/>
+          <a:p>
+            <a:r>
+              <a:rPr lang="pt-BR" dirty="0"/>
+              <a:t>Elton – Desenvolvimento.</a:t>
+            </a:r>
+          </a:p>
+        </p:txBody>
+      </p:sp>
+      <p:sp>
+        <p:nvSpPr>
+          <p:cNvPr id="3" name="Espaço Reservado para Conteúdo 2"/>
+          <p:cNvSpPr>
+            <a:spLocks noGrp="1"/>
+          </p:cNvSpPr>
+          <p:nvPr>
+            <p:ph idx="1"/>
+          </p:nvPr>
+        </p:nvSpPr>
+        <p:spPr/>
+        <p:txBody>
+          <a:bodyPr/>
+          <a:lstStyle/>
+          <a:p>
+            <a:endParaRPr lang="pt-BR"/>
+          </a:p>
+        </p:txBody>
+      </p:sp>
+      <p:sp>
+        <p:nvSpPr>
+          <p:cNvPr id="4" name="Espaço Reservado para Rodapé 3"/>
+          <p:cNvSpPr>
+            <a:spLocks noGrp="1"/>
+          </p:cNvSpPr>
+          <p:nvPr>
+            <p:ph type="ftr" sz="quarter" idx="11"/>
+          </p:nvPr>
+        </p:nvSpPr>
+        <p:spPr/>
+        <p:txBody>
+          <a:bodyPr/>
+          <a:lstStyle/>
+          <a:p>
+            <a:r>
+              <a:rPr lang="pt-BR"/>
+              <a:t>Gestão de Tempo</a:t>
+            </a:r>
+          </a:p>
+        </p:txBody>
+      </p:sp>
+      <p:sp>
+        <p:nvSpPr>
+          <p:cNvPr id="5" name="Espaço Reservado para Número de Slide 4"/>
+          <p:cNvSpPr>
+            <a:spLocks noGrp="1"/>
+          </p:cNvSpPr>
+          <p:nvPr>
+            <p:ph type="sldNum" sz="quarter" idx="12"/>
+          </p:nvPr>
+        </p:nvSpPr>
+        <p:spPr/>
+        <p:txBody>
+          <a:bodyPr/>
+          <a:lstStyle/>
+          <a:p>
+            <a:fld id="{E00582C5-1892-4DFB-94B5-D9561028E520}" type="slidenum">
+              <a:rPr lang="pt-BR" smtClean="0"/>
+              <a:t>12</a:t>
+            </a:fld>
+            <a:endParaRPr lang="pt-BR"/>
+          </a:p>
+        </p:txBody>
+      </p:sp>
+    </p:spTree>
+    <p:extLst>
+      <p:ext uri="{BB962C8B-B14F-4D97-AF65-F5344CB8AC3E}">
+        <p14:creationId xmlns:p14="http://schemas.microsoft.com/office/powerpoint/2010/main" val="3475372586"/>
+      </p:ext>
+    </p:extLst>
+  </p:cSld>
+  <p:clrMapOvr>
+    <a:masterClrMapping/>
+  </p:clrMapOvr>
+</p:sld>
+</file>
+
+<file path=ppt/slides/slide13.xml><?xml version="1.0" encoding="utf-8"?>
+<p:sld xmlns:a="http://schemas.openxmlformats.org/drawingml/2006/main" xmlns:r="http://schemas.openxmlformats.org/officeDocument/2006/relationships" xmlns:p="http://schemas.openxmlformats.org/presentationml/2006/main">
+  <p:cSld>
+    <p:spTree>
+      <p:nvGrpSpPr>
+        <p:cNvPr id="1" name=""/>
+        <p:cNvGrpSpPr/>
+        <p:nvPr/>
+      </p:nvGrpSpPr>
+      <p:grpSpPr>
+        <a:xfrm>
+          <a:off x="0" y="0"/>
+          <a:ext cx="0" cy="0"/>
+          <a:chOff x="0" y="0"/>
+          <a:chExt cx="0" cy="0"/>
+        </a:xfrm>
+      </p:grpSpPr>
+      <p:sp>
+        <p:nvSpPr>
+          <p:cNvPr id="2" name="Título 1"/>
+          <p:cNvSpPr>
+            <a:spLocks noGrp="1"/>
+          </p:cNvSpPr>
+          <p:nvPr>
+            <p:ph type="title"/>
+          </p:nvPr>
+        </p:nvSpPr>
+        <p:spPr/>
+        <p:txBody>
+          <a:bodyPr>
+            <a:normAutofit/>
+          </a:bodyPr>
+          <a:lstStyle/>
+          <a:p>
+            <a:r>
+              <a:rPr lang="pt-BR" dirty="0"/>
+              <a:t>Rodrigo – Desenvolvimento e conclusão.</a:t>
+            </a:r>
+          </a:p>
+        </p:txBody>
+      </p:sp>
+      <p:sp>
+        <p:nvSpPr>
+          <p:cNvPr id="3" name="Espaço Reservado para Conteúdo 2"/>
+          <p:cNvSpPr>
+            <a:spLocks noGrp="1"/>
+          </p:cNvSpPr>
+          <p:nvPr>
+            <p:ph idx="1"/>
+          </p:nvPr>
+        </p:nvSpPr>
+        <p:spPr/>
+        <p:txBody>
+          <a:bodyPr/>
+          <a:lstStyle/>
+          <a:p>
+            <a:endParaRPr lang="pt-BR" dirty="0"/>
+          </a:p>
+        </p:txBody>
+      </p:sp>
+      <p:sp>
+        <p:nvSpPr>
+          <p:cNvPr id="4" name="Espaço Reservado para Rodapé 3"/>
+          <p:cNvSpPr>
+            <a:spLocks noGrp="1"/>
+          </p:cNvSpPr>
+          <p:nvPr>
+            <p:ph type="ftr" sz="quarter" idx="11"/>
+          </p:nvPr>
+        </p:nvSpPr>
+        <p:spPr/>
+        <p:txBody>
+          <a:bodyPr/>
+          <a:lstStyle/>
+          <a:p>
+            <a:r>
+              <a:rPr lang="pt-BR"/>
+              <a:t>Gestão de Tempo</a:t>
+            </a:r>
+          </a:p>
+        </p:txBody>
+      </p:sp>
+      <p:sp>
+        <p:nvSpPr>
+          <p:cNvPr id="5" name="Espaço Reservado para Número de Slide 4"/>
+          <p:cNvSpPr>
+            <a:spLocks noGrp="1"/>
+          </p:cNvSpPr>
+          <p:nvPr>
+            <p:ph type="sldNum" sz="quarter" idx="12"/>
+          </p:nvPr>
+        </p:nvSpPr>
+        <p:spPr/>
+        <p:txBody>
+          <a:bodyPr/>
+          <a:lstStyle/>
+          <a:p>
+            <a:fld id="{E00582C5-1892-4DFB-94B5-D9561028E520}" type="slidenum">
+              <a:rPr lang="pt-BR" smtClean="0"/>
+              <a:t>13</a:t>
+            </a:fld>
+            <a:endParaRPr lang="pt-BR"/>
+          </a:p>
+        </p:txBody>
+      </p:sp>
+    </p:spTree>
+    <p:extLst>
+      <p:ext uri="{BB962C8B-B14F-4D97-AF65-F5344CB8AC3E}">
+        <p14:creationId xmlns:p14="http://schemas.microsoft.com/office/powerpoint/2010/main" val="3935678412"/>
+      </p:ext>
+    </p:extLst>
+  </p:cSld>
+  <p:clrMapOvr>
+    <a:masterClrMapping/>
+  </p:clrMapOvr>
+</p:sld>
+</file>
+
+<file path=ppt/slides/slide14.xml><?xml version="1.0" encoding="utf-8"?>
+<p:sld xmlns:a="http://schemas.openxmlformats.org/drawingml/2006/main" xmlns:r="http://schemas.openxmlformats.org/officeDocument/2006/relationships" xmlns:p="http://schemas.openxmlformats.org/presentationml/2006/main">
+  <p:cSld>
+    <p:spTree>
+      <p:nvGrpSpPr>
+        <p:cNvPr id="1" name=""/>
+        <p:cNvGrpSpPr/>
+        <p:nvPr/>
+      </p:nvGrpSpPr>
+      <p:grpSpPr>
+        <a:xfrm>
+          <a:off x="0" y="0"/>
+          <a:ext cx="0" cy="0"/>
+          <a:chOff x="0" y="0"/>
+          <a:chExt cx="0" cy="0"/>
+        </a:xfrm>
+      </p:grpSpPr>
+      <p:sp>
+        <p:nvSpPr>
+          <p:cNvPr id="2" name="Título 1"/>
+          <p:cNvSpPr>
+            <a:spLocks noGrp="1"/>
+          </p:cNvSpPr>
+          <p:nvPr>
+            <p:ph type="title"/>
+          </p:nvPr>
+        </p:nvSpPr>
+        <p:spPr/>
+        <p:txBody>
+          <a:bodyPr/>
+          <a:lstStyle/>
+          <a:p>
+            <a:r>
+              <a:rPr lang="pt-BR" dirty="0"/>
+              <a:t>Bibliografia.</a:t>
+            </a:r>
+          </a:p>
+        </p:txBody>
+      </p:sp>
+      <p:sp>
+        <p:nvSpPr>
+          <p:cNvPr id="3" name="Espaço Reservado para Conteúdo 2"/>
+          <p:cNvSpPr>
+            <a:spLocks noGrp="1"/>
+          </p:cNvSpPr>
+          <p:nvPr>
+            <p:ph idx="1"/>
+          </p:nvPr>
+        </p:nvSpPr>
+        <p:spPr/>
+        <p:txBody>
+          <a:bodyPr/>
+          <a:lstStyle/>
+          <a:p>
+            <a:r>
+              <a:rPr lang="pt-BR" dirty="0">
+                <a:hlinkClick r:id="rId2"/>
+              </a:rPr>
+              <a:t>http://michaelis.uol.com.br/moderno/portugues/index.php?lingua=portugues-portugues&amp;palavra=prazo</a:t>
+            </a:r>
+            <a:endParaRPr lang="pt-BR" dirty="0"/>
+          </a:p>
+          <a:p>
+            <a:r>
+              <a:rPr lang="pt-BR" dirty="0"/>
+              <a:t>http://www.diegomacedo.com.br/gerenciamento-do-tempo-do-projeto-pmbok-5a-ed/</a:t>
+            </a:r>
+          </a:p>
+        </p:txBody>
+      </p:sp>
+      <p:sp>
+        <p:nvSpPr>
+          <p:cNvPr id="4" name="Espaço Reservado para Rodapé 3"/>
+          <p:cNvSpPr>
+            <a:spLocks noGrp="1"/>
+          </p:cNvSpPr>
+          <p:nvPr>
+            <p:ph type="ftr" sz="quarter" idx="11"/>
+          </p:nvPr>
+        </p:nvSpPr>
+        <p:spPr/>
+        <p:txBody>
+          <a:bodyPr/>
+          <a:lstStyle/>
+          <a:p>
+            <a:r>
+              <a:rPr lang="pt-BR"/>
+              <a:t>Gestão de Tempo</a:t>
+            </a:r>
+          </a:p>
+        </p:txBody>
+      </p:sp>
+      <p:sp>
+        <p:nvSpPr>
+          <p:cNvPr id="5" name="Espaço Reservado para Número de Slide 4"/>
+          <p:cNvSpPr>
+            <a:spLocks noGrp="1"/>
+          </p:cNvSpPr>
+          <p:nvPr>
+            <p:ph type="sldNum" sz="quarter" idx="12"/>
+          </p:nvPr>
+        </p:nvSpPr>
+        <p:spPr/>
+        <p:txBody>
+          <a:bodyPr/>
+          <a:lstStyle/>
+          <a:p>
+            <a:fld id="{E00582C5-1892-4DFB-94B5-D9561028E520}" type="slidenum">
+              <a:rPr lang="pt-BR" smtClean="0"/>
+              <a:t>14</a:t>
+            </a:fld>
+            <a:endParaRPr lang="pt-BR"/>
+          </a:p>
+        </p:txBody>
+      </p:sp>
+    </p:spTree>
+    <p:extLst>
+      <p:ext uri="{BB962C8B-B14F-4D97-AF65-F5344CB8AC3E}">
+        <p14:creationId xmlns:p14="http://schemas.microsoft.com/office/powerpoint/2010/main" val="1802399433"/>
+      </p:ext>
+    </p:extLst>
+  </p:cSld>
+  <p:clrMapOvr>
+    <a:masterClrMapping/>
+  </p:clrMapOvr>
+</p:sld>
+</file>
+
 <file path=ppt/slides/slide2.xml><?xml version="1.0" encoding="utf-8"?>
 <p:sld xmlns:a="http://schemas.openxmlformats.org/drawingml/2006/main" xmlns:r="http://schemas.openxmlformats.org/officeDocument/2006/relationships" xmlns:p="http://schemas.openxmlformats.org/presentationml/2006/main">
   <p:cSld>
@@ -11375,8 +11996,12 @@
           <a:lstStyle/>
           <a:p>
             <a:r>
+              <a:rPr lang="pt-BR" dirty="0" err="1"/>
+              <a:t>Conceio</a:t>
+            </a:r>
+            <a:r>
               <a:rPr lang="pt-BR" dirty="0"/>
-              <a:t>Definição de prazo</a:t>
+              <a:t> de Tempo e Definição de prazo</a:t>
             </a:r>
           </a:p>
         </p:txBody>
@@ -11397,6 +12022,21 @@
             <a:normAutofit/>
           </a:bodyPr>
           <a:lstStyle/>
+          <a:p>
+            <a:r>
+              <a:rPr lang="pt-BR" dirty="0"/>
+              <a:t>Com base na percepção humana, a concepção comum de </a:t>
+            </a:r>
+            <a:r>
+              <a:rPr lang="pt-BR" b="1" dirty="0"/>
+              <a:t>tempo</a:t>
+            </a:r>
+            <a:r>
+              <a:rPr lang="pt-BR" dirty="0"/>
+              <a:t> é indicada por intervalos ou períodos de duração.</a:t>
+            </a:r>
+            <a:endParaRPr lang="pt-BR" b="1" dirty="0"/>
+          </a:p>
           <a:p>
             <a:r>
               <a:rPr lang="pt-BR" b="1" dirty="0"/>
@@ -11668,7 +12308,10 @@
           <a:bodyPr/>
           <a:lstStyle/>
           <a:p>
-            <a:endParaRPr lang="pt-BR" dirty="0"/>
+            <a:r>
+              <a:rPr lang="pt-BR" dirty="0"/>
+              <a:t>Os Processos</a:t>
+            </a:r>
           </a:p>
         </p:txBody>
       </p:sp>
@@ -11829,7 +12472,10 @@
           <a:bodyPr/>
           <a:lstStyle/>
           <a:p>
-            <a:endParaRPr lang="pt-BR"/>
+            <a:r>
+              <a:rPr lang="pt-BR" dirty="0"/>
+              <a:t>Os Processos</a:t>
+            </a:r>
           </a:p>
         </p:txBody>
       </p:sp>
@@ -11973,30 +12619,40 @@
           <a:p>
             <a:r>
               <a:rPr lang="pt-BR" dirty="0"/>
-              <a:t>Elton – Desenvolvimento.</a:t>
-            </a:r>
-          </a:p>
-        </p:txBody>
-      </p:sp>
-      <p:sp>
-        <p:nvSpPr>
-          <p:cNvPr id="3" name="Espaço Reservado para Conteúdo 2"/>
-          <p:cNvSpPr>
-            <a:spLocks noGrp="1"/>
-          </p:cNvSpPr>
+              <a:t>Os Processos e as Fases</a:t>
+            </a:r>
+          </a:p>
+        </p:txBody>
+      </p:sp>
+      <p:pic>
+        <p:nvPicPr>
+          <p:cNvPr id="6" name="Espaço Reservado para Conteúdo 5"/>
+          <p:cNvPicPr>
+            <a:picLocks noGrp="1" noChangeAspect="1"/>
+          </p:cNvPicPr>
           <p:nvPr>
             <p:ph idx="1"/>
           </p:nvPr>
-        </p:nvSpPr>
-        <p:spPr/>
-        <p:txBody>
-          <a:bodyPr/>
-          <a:lstStyle/>
-          <a:p>
-            <a:endParaRPr lang="pt-BR"/>
-          </a:p>
-        </p:txBody>
-      </p:sp>
+        </p:nvPicPr>
+        <p:blipFill>
+          <a:blip r:embed="rId2">
+            <a:extLst>
+              <a:ext uri="{28A0092B-C50C-407E-A947-70E740481C1C}">
+                <a14:useLocalDpi xmlns:a14="http://schemas.microsoft.com/office/drawing/2010/main" val="0"/>
+              </a:ext>
+            </a:extLst>
+          </a:blip>
+          <a:stretch>
+            <a:fillRect/>
+          </a:stretch>
+        </p:blipFill>
+        <p:spPr>
+          <a:xfrm>
+            <a:off x="2288807" y="1677255"/>
+            <a:ext cx="8220808" cy="4458553"/>
+          </a:xfrm>
+        </p:spPr>
+      </p:pic>
       <p:sp>
         <p:nvSpPr>
           <p:cNvPr id="4" name="Espaço Reservado para Rodapé 3"/>
@@ -12045,7 +12701,7 @@
     </p:spTree>
     <p:extLst>
       <p:ext uri="{BB962C8B-B14F-4D97-AF65-F5344CB8AC3E}">
-        <p14:creationId xmlns:p14="http://schemas.microsoft.com/office/powerpoint/2010/main" val="3475372586"/>
+        <p14:creationId xmlns:p14="http://schemas.microsoft.com/office/powerpoint/2010/main" val="2320947915"/>
       </p:ext>
     </p:extLst>
   </p:cSld>
@@ -12091,7 +12747,7 @@
           <a:p>
             <a:r>
               <a:rPr lang="pt-BR" dirty="0"/>
-              <a:t>Rodrigo – Desenvolvimento e conclusão.</a:t>
+              <a:t>6.1 Planejar o gerenciamento do cronograma</a:t>
             </a:r>
           </a:p>
         </p:txBody>
@@ -12108,9 +12764,95 @@
         </p:nvSpPr>
         <p:spPr/>
         <p:txBody>
-          <a:bodyPr/>
-          <a:lstStyle/>
-          <a:p>
+          <a:bodyPr>
+            <a:normAutofit fontScale="85000" lnSpcReduction="10000"/>
+          </a:bodyPr>
+          <a:lstStyle/>
+          <a:p>
+            <a:r>
+              <a:rPr lang="pt-BR" dirty="0"/>
+              <a:t>É o processo de estabelecer as políticas, os procedimentos e a documentação para planejamento, desenvolvimento, gerenciamento, execução e controle do cronograma do projeto. </a:t>
+            </a:r>
+          </a:p>
+          <a:p>
+            <a:r>
+              <a:rPr lang="pt-BR" dirty="0"/>
+              <a:t>Entradas </a:t>
+            </a:r>
+            <a:br>
+              <a:rPr lang="pt-BR" dirty="0"/>
+            </a:br>
+            <a:r>
+              <a:rPr lang="pt-BR" dirty="0"/>
+              <a:t>	Plano de Gerenciamento do Projeto </a:t>
+            </a:r>
+            <a:br>
+              <a:rPr lang="pt-BR" dirty="0"/>
+            </a:br>
+            <a:r>
+              <a:rPr lang="pt-BR" dirty="0"/>
+              <a:t>	Termo de abertura do projeto </a:t>
+            </a:r>
+            <a:br>
+              <a:rPr lang="pt-BR" dirty="0"/>
+            </a:br>
+            <a:r>
+              <a:rPr lang="pt-BR" dirty="0"/>
+              <a:t>	Fatores ambientais da empresa </a:t>
+            </a:r>
+            <a:br>
+              <a:rPr lang="pt-BR" dirty="0"/>
+            </a:br>
+            <a:r>
+              <a:rPr lang="pt-BR" dirty="0"/>
+              <a:t>	Ativos de processos organizacionais </a:t>
+            </a:r>
+          </a:p>
+          <a:p>
+            <a:r>
+              <a:rPr lang="pt-BR" dirty="0"/>
+              <a:t>Ferramentas &amp; Técnicas </a:t>
+            </a:r>
+            <a:br>
+              <a:rPr lang="pt-BR" dirty="0"/>
+            </a:br>
+            <a:r>
+              <a:rPr lang="pt-BR" dirty="0"/>
+              <a:t>	Opinião especializada </a:t>
+            </a:r>
+            <a:br>
+              <a:rPr lang="pt-BR" dirty="0"/>
+            </a:br>
+            <a:r>
+              <a:rPr lang="pt-BR" dirty="0"/>
+              <a:t>	Técnicas analíticas </a:t>
+            </a:r>
+            <a:br>
+              <a:rPr lang="pt-BR" dirty="0"/>
+            </a:br>
+            <a:r>
+              <a:rPr lang="pt-BR" dirty="0"/>
+              <a:t>	Reuniões </a:t>
+            </a:r>
+          </a:p>
+          <a:p>
+            <a:r>
+              <a:rPr lang="pt-BR" dirty="0"/>
+              <a:t>Saídas </a:t>
+            </a:r>
+            <a:br>
+              <a:rPr lang="pt-BR" dirty="0"/>
+            </a:br>
+            <a:r>
+              <a:rPr lang="pt-BR" dirty="0"/>
+              <a:t>	Plano de gerenciamento do cronograma</a:t>
+            </a:r>
+            <a:br>
+              <a:rPr lang="pt-BR" dirty="0"/>
+            </a:br>
+            <a:br>
+              <a:rPr lang="pt-BR" dirty="0"/>
+            </a:br>
             <a:endParaRPr lang="pt-BR" dirty="0"/>
           </a:p>
         </p:txBody>
@@ -12163,7 +12905,7 @@
     </p:spTree>
     <p:extLst>
       <p:ext uri="{BB962C8B-B14F-4D97-AF65-F5344CB8AC3E}">
-        <p14:creationId xmlns:p14="http://schemas.microsoft.com/office/powerpoint/2010/main" val="3935678412"/>
+        <p14:creationId xmlns:p14="http://schemas.microsoft.com/office/powerpoint/2010/main" val="3492919033"/>
       </p:ext>
     </p:extLst>
   </p:cSld>
@@ -12206,39 +12948,101 @@
           <a:lstStyle/>
           <a:p>
             <a:r>
+              <a:rPr lang="pt-BR" b="1" dirty="0"/>
+              <a:t>6.1.1 Planejar o gerenciamento do cronograma: entradas</a:t>
+            </a:r>
+            <a:endParaRPr lang="pt-BR" dirty="0"/>
+          </a:p>
+        </p:txBody>
+      </p:sp>
+      <p:sp>
+        <p:nvSpPr>
+          <p:cNvPr id="3" name="Espaço Reservado para Conteúdo 2"/>
+          <p:cNvSpPr>
+            <a:spLocks noGrp="1"/>
+          </p:cNvSpPr>
+          <p:nvPr>
+            <p:ph idx="1"/>
+          </p:nvPr>
+        </p:nvSpPr>
+        <p:spPr/>
+        <p:txBody>
+          <a:bodyPr>
+            <a:normAutofit fontScale="70000" lnSpcReduction="20000"/>
+          </a:bodyPr>
+          <a:lstStyle/>
+          <a:p>
+            <a:r>
+              <a:rPr lang="pt-BR" b="1" dirty="0"/>
+              <a:t>6.1.1.1 Plano de gerenciamento do projeto</a:t>
+            </a:r>
+          </a:p>
+          <a:p>
+            <a:pPr lvl="1"/>
+            <a:r>
               <a:rPr lang="pt-BR" dirty="0"/>
-              <a:t>Bibliografia.</a:t>
-            </a:r>
-          </a:p>
-        </p:txBody>
-      </p:sp>
-      <p:sp>
-        <p:nvSpPr>
-          <p:cNvPr id="3" name="Espaço Reservado para Conteúdo 2"/>
-          <p:cNvSpPr>
-            <a:spLocks noGrp="1"/>
-          </p:cNvSpPr>
-          <p:nvPr>
-            <p:ph idx="1"/>
-          </p:nvPr>
-        </p:nvSpPr>
-        <p:spPr/>
-        <p:txBody>
-          <a:bodyPr/>
-          <a:lstStyle/>
-          <a:p>
-            <a:r>
-              <a:rPr lang="pt-BR" dirty="0">
-                <a:hlinkClick r:id="rId2"/>
-              </a:rPr>
-              <a:t>http://michaelis.uol.com.br/moderno/portugues/index.php?lingua=portugues-portugues&amp;palavra=prazo</a:t>
-            </a:r>
-            <a:endParaRPr lang="pt-BR" dirty="0"/>
-          </a:p>
-          <a:p>
+              <a:t>Contém informações usadas para desenvolver o plano de gerenciamento do cronograma que incluem, mas não estão limitadas a:</a:t>
+            </a:r>
+          </a:p>
+          <a:p>
+            <a:pPr lvl="1"/>
             <a:r>
               <a:rPr lang="pt-BR" dirty="0"/>
-              <a:t>http://www.diegomacedo.com.br/gerenciamento-do-tempo-do-projeto-pmbok-5a-ed/</a:t>
+              <a:t>Linha de base do escopo(Especificação do escopo do projeto e detalhes da estrutura analítica do projeto(EAP)) e a outras informações.</a:t>
+            </a:r>
+          </a:p>
+          <a:p>
+            <a:r>
+              <a:rPr lang="pt-BR" b="1" dirty="0"/>
+              <a:t>6.1.1.2 Termo de abertura do projeto</a:t>
+            </a:r>
+          </a:p>
+          <a:p>
+            <a:pPr lvl="1"/>
+            <a:r>
+              <a:rPr lang="pt-BR" dirty="0"/>
+              <a:t>Apesenta o resumo do cronograma de marcos e os requisitos de aprovação do projeto que influenciarão o gerenciamento do cronograma do projeto.</a:t>
+            </a:r>
+            <a:endParaRPr lang="pt-BR" b="1" dirty="0"/>
+          </a:p>
+          <a:p>
+            <a:r>
+              <a:rPr lang="pt-BR" b="1" dirty="0"/>
+              <a:t>6.1.1.3 Fatores ambientais da empresa</a:t>
+            </a:r>
+          </a:p>
+          <a:p>
+            <a:pPr lvl="1"/>
+            <a:r>
+              <a:rPr lang="pt-BR" dirty="0"/>
+              <a:t>Influenciam o processo Planejar o gerenciamento do cronograma incluem, mas não estão limitados, a:</a:t>
+            </a:r>
+          </a:p>
+          <a:p>
+            <a:pPr lvl="1"/>
+            <a:r>
+              <a:rPr lang="pt-BR" dirty="0"/>
+              <a:t>Estrutura e cultura, disponibilidade de recursos e habilidades, informações comerciais publicadas e Sistemas organizacionais de autorização do trabalho.</a:t>
+            </a:r>
+          </a:p>
+          <a:p>
+            <a:r>
+              <a:rPr lang="pt-BR" b="1" dirty="0"/>
+              <a:t>6.1.1.4 Ativos de processos organizacionais</a:t>
+            </a:r>
+          </a:p>
+          <a:p>
+            <a:pPr lvl="1"/>
+            <a:r>
+              <a:rPr lang="pt-BR" dirty="0"/>
+              <a:t>Influenciam o processo Planejar o gerenciamento do cronograma incluem, mas não estão limitados, a:</a:t>
+            </a:r>
+          </a:p>
+          <a:p>
+            <a:pPr lvl="1"/>
+            <a:r>
+              <a:rPr lang="pt-BR" dirty="0"/>
+              <a:t>Ferramentas de monitoramento, informações históricas, ferramentas de controle do cronograma, modelos, diretrizes para o encerramento do projeto, procedimento de controle das mudanças e riscos.</a:t>
             </a:r>
           </a:p>
         </p:txBody>
@@ -12291,7 +13095,7 @@
     </p:spTree>
     <p:extLst>
       <p:ext uri="{BB962C8B-B14F-4D97-AF65-F5344CB8AC3E}">
-        <p14:creationId xmlns:p14="http://schemas.microsoft.com/office/powerpoint/2010/main" val="1802399433"/>
+        <p14:creationId xmlns:p14="http://schemas.microsoft.com/office/powerpoint/2010/main" val="436033815"/>
       </p:ext>
     </p:extLst>
   </p:cSld>

--- a/GERENCIAMENTO DO TEMPO DO PROJETO.pptx
+++ b/GERENCIAMENTO DO TEMPO DO PROJETO.pptx
@@ -6,7 +6,7 @@
     <p:sldMasterId id="2147483778" r:id="rId2"/>
   </p:sldMasterIdLst>
   <p:notesMasterIdLst>
-    <p:notesMasterId r:id="rId17"/>
+    <p:notesMasterId r:id="rId30"/>
   </p:notesMasterIdLst>
   <p:sldIdLst>
     <p:sldId id="256" r:id="rId3"/>
@@ -20,9 +20,22 @@
     <p:sldId id="267" r:id="rId11"/>
     <p:sldId id="268" r:id="rId12"/>
     <p:sldId id="269" r:id="rId13"/>
-    <p:sldId id="261" r:id="rId14"/>
-    <p:sldId id="262" r:id="rId15"/>
-    <p:sldId id="263" r:id="rId16"/>
+    <p:sldId id="270" r:id="rId14"/>
+    <p:sldId id="271" r:id="rId15"/>
+    <p:sldId id="272" r:id="rId16"/>
+    <p:sldId id="273" r:id="rId17"/>
+    <p:sldId id="274" r:id="rId18"/>
+    <p:sldId id="275" r:id="rId19"/>
+    <p:sldId id="278" r:id="rId20"/>
+    <p:sldId id="276" r:id="rId21"/>
+    <p:sldId id="279" r:id="rId22"/>
+    <p:sldId id="280" r:id="rId23"/>
+    <p:sldId id="281" r:id="rId24"/>
+    <p:sldId id="282" r:id="rId25"/>
+    <p:sldId id="277" r:id="rId26"/>
+    <p:sldId id="261" r:id="rId27"/>
+    <p:sldId id="262" r:id="rId28"/>
+    <p:sldId id="263" r:id="rId29"/>
   </p:sldIdLst>
   <p:sldSz cx="12192000" cy="6858000"/>
   <p:notesSz cx="6858000" cy="9144000"/>
@@ -11281,7 +11294,9 @@
         </p:nvSpPr>
         <p:spPr/>
         <p:txBody>
-          <a:bodyPr/>
+          <a:bodyPr>
+            <a:normAutofit/>
+          </a:bodyPr>
           <a:lstStyle/>
           <a:p>
             <a:r>
@@ -11290,17 +11305,39 @@
             </a:r>
           </a:p>
           <a:p>
+            <a:pPr lvl="1"/>
+            <a:r>
+              <a:rPr lang="pt-BR" dirty="0"/>
+              <a:t>Guiada por informações históricas, fornece discernimento valioso sobre o ambiente e informações de projetos passados similares.</a:t>
+            </a:r>
+            <a:endParaRPr lang="pt-BR" b="1" dirty="0"/>
+          </a:p>
+          <a:p>
             <a:r>
               <a:rPr lang="pt-BR" b="1" dirty="0"/>
               <a:t>6.1.2.2 Técnicas analíticas</a:t>
             </a:r>
           </a:p>
           <a:p>
+            <a:pPr lvl="1"/>
+            <a:r>
+              <a:rPr lang="pt-BR" dirty="0"/>
+              <a:t>Inclui alguns métodos, procedimentos e/ou politicas para a escolha de opções estratégicas na estimativa e elaboração do cronograma.</a:t>
+            </a:r>
+            <a:endParaRPr lang="pt-BR" b="1" dirty="0"/>
+          </a:p>
+          <a:p>
             <a:r>
               <a:rPr lang="pt-BR" b="1" dirty="0"/>
               <a:t>6.1.2.3 Reuniões</a:t>
             </a:r>
-            <a:endParaRPr lang="pt-BR" dirty="0"/>
+          </a:p>
+          <a:p>
+            <a:pPr lvl="1"/>
+            <a:r>
+              <a:rPr lang="pt-BR" dirty="0"/>
+              <a:t>As equipes dos projetos podem fazer reuniões de planejamento para desenvolver o plano de gerenciamento do cronograma.</a:t>
+            </a:r>
           </a:p>
         </p:txBody>
       </p:sp>
@@ -11414,14 +11451,85 @@
         </p:nvSpPr>
         <p:spPr/>
         <p:txBody>
-          <a:bodyPr/>
+          <a:bodyPr>
+            <a:normAutofit fontScale="85000" lnSpcReduction="20000"/>
+          </a:bodyPr>
           <a:lstStyle/>
           <a:p>
             <a:r>
               <a:rPr lang="pt-BR" b="1" dirty="0"/>
               <a:t>6.1.3.1 Plano de gerenciamento do cronograma</a:t>
             </a:r>
-            <a:endParaRPr lang="pt-BR" dirty="0"/>
+          </a:p>
+          <a:p>
+            <a:pPr lvl="1"/>
+            <a:r>
+              <a:rPr lang="pt-BR" dirty="0"/>
+              <a:t>Um componente do plano de gerenciamento do projeto que estabelece os critérios e as atividades para o desenvolvimento, monitoramento e controle do cronograma. E pode estabelecer o seguinte:</a:t>
+            </a:r>
+          </a:p>
+          <a:p>
+            <a:pPr lvl="1"/>
+            <a:r>
+              <a:rPr lang="pt-BR" dirty="0"/>
+              <a:t>O desenvolvimento do modelo do cronograma do projeto. </a:t>
+            </a:r>
+          </a:p>
+          <a:p>
+            <a:pPr lvl="1"/>
+            <a:r>
+              <a:rPr lang="pt-BR" dirty="0"/>
+              <a:t>Nível de exatidão. </a:t>
+            </a:r>
+          </a:p>
+          <a:p>
+            <a:pPr lvl="1"/>
+            <a:r>
+              <a:rPr lang="pt-BR" dirty="0"/>
+              <a:t>Unidades de medida. </a:t>
+            </a:r>
+          </a:p>
+          <a:p>
+            <a:pPr lvl="1"/>
+            <a:r>
+              <a:rPr lang="pt-BR" dirty="0"/>
+              <a:t>Associações com procedimentos organizacionais. </a:t>
+            </a:r>
+          </a:p>
+          <a:p>
+            <a:pPr lvl="1"/>
+            <a:r>
+              <a:rPr lang="pt-BR" dirty="0"/>
+              <a:t>Manutenção do modelo do cronograma do projeto. </a:t>
+            </a:r>
+          </a:p>
+          <a:p>
+            <a:pPr lvl="1"/>
+            <a:r>
+              <a:rPr lang="pt-BR" dirty="0"/>
+              <a:t>Limites de controle</a:t>
+            </a:r>
+          </a:p>
+          <a:p>
+            <a:pPr lvl="1"/>
+            <a:r>
+              <a:rPr lang="pt-BR" dirty="0"/>
+              <a:t>Regras para medição do desempenho. </a:t>
+            </a:r>
+          </a:p>
+          <a:p>
+            <a:pPr lvl="1"/>
+            <a:r>
+              <a:rPr lang="pt-BR" dirty="0"/>
+              <a:t>Formatos de relatórios.</a:t>
+            </a:r>
+          </a:p>
+          <a:p>
+            <a:pPr lvl="1"/>
+            <a:r>
+              <a:rPr lang="pt-BR" dirty="0"/>
+              <a:t>Descrições dos processos</a:t>
+            </a:r>
           </a:p>
         </p:txBody>
       </p:sp>
@@ -11512,12 +11620,14 @@
         </p:nvSpPr>
         <p:spPr/>
         <p:txBody>
-          <a:bodyPr/>
-          <a:lstStyle/>
-          <a:p>
-            <a:r>
-              <a:rPr lang="pt-BR" dirty="0"/>
-              <a:t>Elton – Desenvolvimento.</a:t>
+          <a:bodyPr>
+            <a:normAutofit/>
+          </a:bodyPr>
+          <a:lstStyle/>
+          <a:p>
+            <a:r>
+              <a:rPr lang="pt-BR" b="1" dirty="0"/>
+              <a:t>6.2 Definir as atividades</a:t>
             </a:r>
           </a:p>
         </p:txBody>
@@ -11534,10 +11644,103 @@
         </p:nvSpPr>
         <p:spPr/>
         <p:txBody>
-          <a:bodyPr/>
-          <a:lstStyle/>
-          <a:p>
-            <a:endParaRPr lang="pt-BR"/>
+          <a:bodyPr>
+            <a:normAutofit fontScale="92500" lnSpcReduction="20000"/>
+          </a:bodyPr>
+          <a:lstStyle/>
+          <a:p>
+            <a:r>
+              <a:rPr lang="pt-BR" dirty="0"/>
+              <a:t>É o processo de identificação das ações específicas a serem realizadas para produzir as entregas do projeto. </a:t>
+            </a:r>
+          </a:p>
+          <a:p>
+            <a:r>
+              <a:rPr lang="pt-BR" dirty="0"/>
+              <a:t>Entradas </a:t>
+            </a:r>
+            <a:br>
+              <a:rPr lang="pt-BR" dirty="0"/>
+            </a:br>
+            <a:r>
+              <a:rPr lang="pt-BR" dirty="0"/>
+              <a:t>	Plano de Gerenciamento do Cronograma </a:t>
+            </a:r>
+            <a:br>
+              <a:rPr lang="pt-BR" dirty="0"/>
+            </a:br>
+            <a:r>
+              <a:rPr lang="pt-BR" dirty="0"/>
+              <a:t>	Linha de base do escopo </a:t>
+            </a:r>
+            <a:br>
+              <a:rPr lang="pt-BR" dirty="0"/>
+            </a:br>
+            <a:r>
+              <a:rPr lang="pt-BR" dirty="0"/>
+              <a:t>	Fatores ambientais da empresa </a:t>
+            </a:r>
+            <a:br>
+              <a:rPr lang="pt-BR" dirty="0"/>
+            </a:br>
+            <a:r>
+              <a:rPr lang="pt-BR" dirty="0"/>
+              <a:t>	Ativos de processos organizacionais </a:t>
+            </a:r>
+          </a:p>
+          <a:p>
+            <a:r>
+              <a:rPr lang="pt-BR" dirty="0"/>
+              <a:t>Ferramentas &amp; Técnicas </a:t>
+            </a:r>
+            <a:br>
+              <a:rPr lang="pt-BR" dirty="0"/>
+            </a:br>
+            <a:r>
+              <a:rPr lang="pt-BR" dirty="0"/>
+              <a:t>	Decomposição </a:t>
+            </a:r>
+            <a:br>
+              <a:rPr lang="pt-BR" dirty="0"/>
+            </a:br>
+            <a:r>
+              <a:rPr lang="pt-BR" dirty="0"/>
+              <a:t>	Planejamento em ondas sucessivas </a:t>
+            </a:r>
+            <a:br>
+              <a:rPr lang="pt-BR" dirty="0"/>
+            </a:br>
+            <a:r>
+              <a:rPr lang="pt-BR" dirty="0"/>
+              <a:t>	Opinião especializada </a:t>
+            </a:r>
+          </a:p>
+          <a:p>
+            <a:r>
+              <a:rPr lang="pt-BR" dirty="0"/>
+              <a:t>Saídas </a:t>
+            </a:r>
+            <a:br>
+              <a:rPr lang="pt-BR" dirty="0"/>
+            </a:br>
+            <a:r>
+              <a:rPr lang="pt-BR" dirty="0"/>
+              <a:t>	Lista de atividades </a:t>
+            </a:r>
+            <a:br>
+              <a:rPr lang="pt-BR" dirty="0"/>
+            </a:br>
+            <a:r>
+              <a:rPr lang="pt-BR" dirty="0"/>
+              <a:t>	Atributos das atividades </a:t>
+            </a:r>
+            <a:br>
+              <a:rPr lang="pt-BR" dirty="0"/>
+            </a:br>
+            <a:r>
+              <a:rPr lang="pt-BR" dirty="0"/>
+              <a:t>	Lista de marcos</a:t>
+            </a:r>
           </a:p>
         </p:txBody>
       </p:sp>
@@ -11589,7 +11792,7 @@
     </p:spTree>
     <p:extLst>
       <p:ext uri="{BB962C8B-B14F-4D97-AF65-F5344CB8AC3E}">
-        <p14:creationId xmlns:p14="http://schemas.microsoft.com/office/powerpoint/2010/main" val="3475372586"/>
+        <p14:creationId xmlns:p14="http://schemas.microsoft.com/office/powerpoint/2010/main" val="828944711"/>
       </p:ext>
     </p:extLst>
   </p:cSld>
@@ -11628,32 +11831,105 @@
         </p:nvSpPr>
         <p:spPr/>
         <p:txBody>
+          <a:bodyPr/>
+          <a:lstStyle/>
+          <a:p>
+            <a:r>
+              <a:rPr lang="pt-BR" b="1" dirty="0"/>
+              <a:t>6.2.1 Definir as atividades: entradas</a:t>
+            </a:r>
+            <a:endParaRPr lang="pt-BR" dirty="0"/>
+          </a:p>
+        </p:txBody>
+      </p:sp>
+      <p:sp>
+        <p:nvSpPr>
+          <p:cNvPr id="3" name="Espaço Reservado para Conteúdo 2"/>
+          <p:cNvSpPr>
+            <a:spLocks noGrp="1"/>
+          </p:cNvSpPr>
+          <p:nvPr>
+            <p:ph idx="1"/>
+          </p:nvPr>
+        </p:nvSpPr>
+        <p:spPr/>
+        <p:txBody>
           <a:bodyPr>
-            <a:normAutofit/>
+            <a:normAutofit fontScale="77500" lnSpcReduction="20000"/>
           </a:bodyPr>
           <a:lstStyle/>
           <a:p>
             <a:r>
-              <a:rPr lang="pt-BR" dirty="0"/>
-              <a:t>Rodrigo – Desenvolvimento e conclusão.</a:t>
-            </a:r>
-          </a:p>
-        </p:txBody>
-      </p:sp>
-      <p:sp>
-        <p:nvSpPr>
-          <p:cNvPr id="3" name="Espaço Reservado para Conteúdo 2"/>
-          <p:cNvSpPr>
-            <a:spLocks noGrp="1"/>
-          </p:cNvSpPr>
-          <p:nvPr>
-            <p:ph idx="1"/>
-          </p:nvPr>
-        </p:nvSpPr>
-        <p:spPr/>
-        <p:txBody>
-          <a:bodyPr/>
-          <a:lstStyle/>
+              <a:rPr lang="pt-BR" b="1" dirty="0"/>
+              <a:t>6.2.1.1 Plano de gerenciamento do cronograma</a:t>
+            </a:r>
+          </a:p>
+          <a:p>
+            <a:pPr lvl="1"/>
+            <a:r>
+              <a:rPr lang="pt-BR" dirty="0"/>
+              <a:t>Uma entrada importante no plano de gerenciamento do cronograma é o nível de detalhe necessário prescrito para gerenciar o trabalho. (Seção 6.1.3.1)</a:t>
+            </a:r>
+            <a:endParaRPr lang="pt-BR" b="1" dirty="0"/>
+          </a:p>
+          <a:p>
+            <a:r>
+              <a:rPr lang="pt-BR" b="1" dirty="0"/>
+              <a:t>6.2.1.2 Linha de base do escopo</a:t>
+            </a:r>
+          </a:p>
+          <a:p>
+            <a:pPr lvl="1"/>
+            <a:r>
+              <a:rPr lang="pt-BR" dirty="0"/>
+              <a:t>A EAP, entregas, restrições e premissas do projeto documentadas na linha de base do escopo do projeto são explicitamente consideradas durante a definição das atividades. (Seção 5.4.3.1)</a:t>
+            </a:r>
+            <a:endParaRPr lang="pt-BR" b="1" dirty="0"/>
+          </a:p>
+          <a:p>
+            <a:r>
+              <a:rPr lang="pt-BR" b="1" dirty="0"/>
+              <a:t>6.2.1.3 Fatores ambientais da empresa</a:t>
+            </a:r>
+          </a:p>
+          <a:p>
+            <a:pPr lvl="1"/>
+            <a:r>
+              <a:rPr lang="pt-BR" dirty="0"/>
+              <a:t>Os fatores ambientais da empresa que influenciam o processo de definir as atividades e incluem, mas não estão limitados, a: estrutura e cultura organizacionais, Informações comerciais publicadas a partir de bancos de dados comerciais, e Sistema de informações de gerenciamento de projeto (SIGP). (Seção 2.1.5)</a:t>
+            </a:r>
+            <a:endParaRPr lang="pt-BR" b="1" dirty="0"/>
+          </a:p>
+          <a:p>
+            <a:r>
+              <a:rPr lang="pt-BR" b="1" dirty="0"/>
+              <a:t>6.2.1.4 Ativos de processos organizacionais</a:t>
+            </a:r>
+          </a:p>
+          <a:p>
+            <a:pPr lvl="1"/>
+            <a:r>
+              <a:rPr lang="pt-BR" dirty="0"/>
+              <a:t>Os ativos de processos organizacionais que podem influenciar o </a:t>
+            </a:r>
+            <a:r>
+              <a:rPr lang="pt-BR"/>
+              <a:t>processo de definir </a:t>
+            </a:r>
+            <a:r>
+              <a:rPr lang="pt-BR" dirty="0"/>
+              <a:t>as </a:t>
+            </a:r>
+            <a:r>
+              <a:rPr lang="pt-BR"/>
+              <a:t>atividades  e incluem</a:t>
+            </a:r>
+            <a:r>
+              <a:rPr lang="pt-BR" dirty="0"/>
+              <a:t>, mas não estão limitados, a: Base de conhecimento de lições aprendidas, Processos padronizados, Modelos que contêm uma lista de atividades padrão ou parte de uma lista de atividades de um projeto anterior, e Políticas, procedimentos e diretrizes existentes. (Seção 2.1.4)</a:t>
+            </a:r>
+            <a:endParaRPr lang="pt-BR" b="1" dirty="0"/>
+          </a:p>
           <a:p>
             <a:endParaRPr lang="pt-BR" dirty="0"/>
           </a:p>
@@ -11707,7 +11983,7 @@
     </p:spTree>
     <p:extLst>
       <p:ext uri="{BB962C8B-B14F-4D97-AF65-F5344CB8AC3E}">
-        <p14:creationId xmlns:p14="http://schemas.microsoft.com/office/powerpoint/2010/main" val="3935678412"/>
+        <p14:creationId xmlns:p14="http://schemas.microsoft.com/office/powerpoint/2010/main" val="1580035854"/>
       </p:ext>
     </p:extLst>
   </p:cSld>
@@ -11750,9 +12026,10 @@
           <a:lstStyle/>
           <a:p>
             <a:r>
-              <a:rPr lang="pt-BR" dirty="0"/>
-              <a:t>Bibliografia.</a:t>
-            </a:r>
+              <a:rPr lang="pt-BR" b="1" dirty="0"/>
+              <a:t>6.2.2 Definir as atividades: ferramentas e técnicas</a:t>
+            </a:r>
+            <a:endParaRPr lang="pt-BR" dirty="0"/>
           </a:p>
         </p:txBody>
       </p:sp>
@@ -11768,21 +12045,49 @@
         </p:nvSpPr>
         <p:spPr/>
         <p:txBody>
-          <a:bodyPr/>
-          <a:lstStyle/>
-          <a:p>
-            <a:r>
-              <a:rPr lang="pt-BR" dirty="0">
-                <a:hlinkClick r:id="rId2"/>
-              </a:rPr>
-              <a:t>http://michaelis.uol.com.br/moderno/portugues/index.php?lingua=portugues-portugues&amp;palavra=prazo</a:t>
-            </a:r>
-            <a:endParaRPr lang="pt-BR" dirty="0"/>
-          </a:p>
-          <a:p>
-            <a:r>
-              <a:rPr lang="pt-BR" dirty="0"/>
-              <a:t>http://www.diegomacedo.com.br/gerenciamento-do-tempo-do-projeto-pmbok-5a-ed/</a:t>
+          <a:bodyPr>
+            <a:normAutofit/>
+          </a:bodyPr>
+          <a:lstStyle/>
+          <a:p>
+            <a:r>
+              <a:rPr lang="pt-BR" b="1" dirty="0"/>
+              <a:t>6.2.2.1 Decomposição</a:t>
+            </a:r>
+          </a:p>
+          <a:p>
+            <a:pPr lvl="1"/>
+            <a:r>
+              <a:rPr lang="pt-BR" dirty="0"/>
+              <a:t>Decomposição é uma técnica usada para dividir e subdividir o escopo do projeto e suas entregas em partes menores e mais fáceis de gerenciar.</a:t>
+            </a:r>
+            <a:endParaRPr lang="pt-BR" b="1" dirty="0"/>
+          </a:p>
+          <a:p>
+            <a:r>
+              <a:rPr lang="pt-BR" b="1" dirty="0"/>
+              <a:t>6.2.2.2 Planejamento em ondas sucessivas</a:t>
+            </a:r>
+          </a:p>
+          <a:p>
+            <a:pPr lvl="1"/>
+            <a:r>
+              <a:rPr lang="pt-BR" dirty="0"/>
+              <a:t>O planejamento em ondas sucessivas é uma técnica de planejamento iterativo em que o trabalho a ser executado a curto prazo é planejado em detalhe, ao passo que o trabalho no futuro é planejado em um nível mais alto.</a:t>
+            </a:r>
+            <a:endParaRPr lang="pt-BR" b="1" dirty="0"/>
+          </a:p>
+          <a:p>
+            <a:r>
+              <a:rPr lang="pt-BR" b="1" dirty="0"/>
+              <a:t>6.2.2.3 Opinião especializada</a:t>
+            </a:r>
+          </a:p>
+          <a:p>
+            <a:pPr lvl="1"/>
+            <a:r>
+              <a:rPr lang="pt-BR" dirty="0"/>
+              <a:t>Membros da equipe do projeto ou outros especialistas, que tenham experiência e habilidade no desenvolvimento de especificações detalhadas do escopo de projetos, em EAP e em cronogramas de projeto podem fornecer opiniões técnicas sobre a definição de atividades.</a:t>
             </a:r>
           </a:p>
         </p:txBody>
@@ -11835,7 +12140,890 @@
     </p:spTree>
     <p:extLst>
       <p:ext uri="{BB962C8B-B14F-4D97-AF65-F5344CB8AC3E}">
-        <p14:creationId xmlns:p14="http://schemas.microsoft.com/office/powerpoint/2010/main" val="1802399433"/>
+        <p14:creationId xmlns:p14="http://schemas.microsoft.com/office/powerpoint/2010/main" val="2652060046"/>
+      </p:ext>
+    </p:extLst>
+  </p:cSld>
+  <p:clrMapOvr>
+    <a:masterClrMapping/>
+  </p:clrMapOvr>
+</p:sld>
+</file>
+
+<file path=ppt/slides/slide15.xml><?xml version="1.0" encoding="utf-8"?>
+<p:sld xmlns:a="http://schemas.openxmlformats.org/drawingml/2006/main" xmlns:r="http://schemas.openxmlformats.org/officeDocument/2006/relationships" xmlns:p="http://schemas.openxmlformats.org/presentationml/2006/main">
+  <p:cSld>
+    <p:spTree>
+      <p:nvGrpSpPr>
+        <p:cNvPr id="1" name=""/>
+        <p:cNvGrpSpPr/>
+        <p:nvPr/>
+      </p:nvGrpSpPr>
+      <p:grpSpPr>
+        <a:xfrm>
+          <a:off x="0" y="0"/>
+          <a:ext cx="0" cy="0"/>
+          <a:chOff x="0" y="0"/>
+          <a:chExt cx="0" cy="0"/>
+        </a:xfrm>
+      </p:grpSpPr>
+      <p:sp>
+        <p:nvSpPr>
+          <p:cNvPr id="2" name="Título 1"/>
+          <p:cNvSpPr>
+            <a:spLocks noGrp="1"/>
+          </p:cNvSpPr>
+          <p:nvPr>
+            <p:ph type="title"/>
+          </p:nvPr>
+        </p:nvSpPr>
+        <p:spPr/>
+        <p:txBody>
+          <a:bodyPr/>
+          <a:lstStyle/>
+          <a:p>
+            <a:r>
+              <a:rPr lang="pt-BR" b="1" dirty="0"/>
+              <a:t>6.2.3 Definir as atividades: saídas</a:t>
+            </a:r>
+            <a:endParaRPr lang="pt-BR" dirty="0"/>
+          </a:p>
+        </p:txBody>
+      </p:sp>
+      <p:sp>
+        <p:nvSpPr>
+          <p:cNvPr id="3" name="Espaço Reservado para Conteúdo 2"/>
+          <p:cNvSpPr>
+            <a:spLocks noGrp="1"/>
+          </p:cNvSpPr>
+          <p:nvPr>
+            <p:ph idx="1"/>
+          </p:nvPr>
+        </p:nvSpPr>
+        <p:spPr/>
+        <p:txBody>
+          <a:bodyPr>
+            <a:normAutofit fontScale="92500"/>
+          </a:bodyPr>
+          <a:lstStyle/>
+          <a:p>
+            <a:r>
+              <a:rPr lang="pt-BR" b="1" dirty="0"/>
+              <a:t>6.2.3.1 Lista de atividades</a:t>
+            </a:r>
+          </a:p>
+          <a:p>
+            <a:pPr lvl="1"/>
+            <a:r>
+              <a:rPr lang="pt-BR" dirty="0"/>
+              <a:t>A lista de atividades é uma lista abrangente que inclui todas as atividades do cronograma necessárias no projeto.</a:t>
+            </a:r>
+            <a:endParaRPr lang="pt-BR" b="1" dirty="0"/>
+          </a:p>
+          <a:p>
+            <a:r>
+              <a:rPr lang="pt-BR" b="1" dirty="0"/>
+              <a:t>6.2.3.2 Atributos das atividades</a:t>
+            </a:r>
+          </a:p>
+          <a:p>
+            <a:pPr lvl="1"/>
+            <a:r>
+              <a:rPr lang="pt-BR" dirty="0"/>
+              <a:t>As atividades, diferentemente dos marcos, têm durações, durante as quais o trabalho daquela atividade é executado, e podem ter recursos e custos associados àquele trabalho. Os atributos das atividades ampliam a descrição das mesmas através da identificação dos múltiplos componentes associados a cada atividade.</a:t>
+            </a:r>
+            <a:endParaRPr lang="pt-BR" b="1" dirty="0"/>
+          </a:p>
+          <a:p>
+            <a:r>
+              <a:rPr lang="pt-BR" b="1" dirty="0"/>
+              <a:t>6.2.3.3 Lista de marcos</a:t>
+            </a:r>
+          </a:p>
+          <a:p>
+            <a:pPr lvl="1"/>
+            <a:r>
+              <a:rPr lang="pt-BR" dirty="0"/>
+              <a:t>Um marco é um ponto ou evento significativo no projeto. A lista de marcos identifica todos os marcos do projeto e indica se o marco é obrigatório, tais como os exigidos por contrato, ou opcional, como os baseados em informação histórica.</a:t>
+            </a:r>
+          </a:p>
+        </p:txBody>
+      </p:sp>
+      <p:sp>
+        <p:nvSpPr>
+          <p:cNvPr id="4" name="Espaço Reservado para Rodapé 3"/>
+          <p:cNvSpPr>
+            <a:spLocks noGrp="1"/>
+          </p:cNvSpPr>
+          <p:nvPr>
+            <p:ph type="ftr" sz="quarter" idx="11"/>
+          </p:nvPr>
+        </p:nvSpPr>
+        <p:spPr/>
+        <p:txBody>
+          <a:bodyPr/>
+          <a:lstStyle/>
+          <a:p>
+            <a:r>
+              <a:rPr lang="pt-BR"/>
+              <a:t>Gestão de Tempo</a:t>
+            </a:r>
+          </a:p>
+        </p:txBody>
+      </p:sp>
+      <p:sp>
+        <p:nvSpPr>
+          <p:cNvPr id="5" name="Espaço Reservado para Número de Slide 4"/>
+          <p:cNvSpPr>
+            <a:spLocks noGrp="1"/>
+          </p:cNvSpPr>
+          <p:nvPr>
+            <p:ph type="sldNum" sz="quarter" idx="12"/>
+          </p:nvPr>
+        </p:nvSpPr>
+        <p:spPr/>
+        <p:txBody>
+          <a:bodyPr/>
+          <a:lstStyle/>
+          <a:p>
+            <a:fld id="{E00582C5-1892-4DFB-94B5-D9561028E520}" type="slidenum">
+              <a:rPr lang="pt-BR" smtClean="0"/>
+              <a:t>15</a:t>
+            </a:fld>
+            <a:endParaRPr lang="pt-BR"/>
+          </a:p>
+        </p:txBody>
+      </p:sp>
+    </p:spTree>
+    <p:extLst>
+      <p:ext uri="{BB962C8B-B14F-4D97-AF65-F5344CB8AC3E}">
+        <p14:creationId xmlns:p14="http://schemas.microsoft.com/office/powerpoint/2010/main" val="1735806967"/>
+      </p:ext>
+    </p:extLst>
+  </p:cSld>
+  <p:clrMapOvr>
+    <a:masterClrMapping/>
+  </p:clrMapOvr>
+</p:sld>
+</file>
+
+<file path=ppt/slides/slide16.xml><?xml version="1.0" encoding="utf-8"?>
+<p:sld xmlns:a="http://schemas.openxmlformats.org/drawingml/2006/main" xmlns:r="http://schemas.openxmlformats.org/officeDocument/2006/relationships" xmlns:p="http://schemas.openxmlformats.org/presentationml/2006/main">
+  <p:cSld>
+    <p:spTree>
+      <p:nvGrpSpPr>
+        <p:cNvPr id="1" name=""/>
+        <p:cNvGrpSpPr/>
+        <p:nvPr/>
+      </p:nvGrpSpPr>
+      <p:grpSpPr>
+        <a:xfrm>
+          <a:off x="0" y="0"/>
+          <a:ext cx="0" cy="0"/>
+          <a:chOff x="0" y="0"/>
+          <a:chExt cx="0" cy="0"/>
+        </a:xfrm>
+      </p:grpSpPr>
+      <p:sp>
+        <p:nvSpPr>
+          <p:cNvPr id="2" name="Título 1"/>
+          <p:cNvSpPr>
+            <a:spLocks noGrp="1"/>
+          </p:cNvSpPr>
+          <p:nvPr>
+            <p:ph type="title"/>
+          </p:nvPr>
+        </p:nvSpPr>
+        <p:spPr/>
+        <p:txBody>
+          <a:bodyPr>
+            <a:normAutofit/>
+          </a:bodyPr>
+          <a:lstStyle/>
+          <a:p>
+            <a:r>
+              <a:rPr lang="pt-BR" dirty="0"/>
+              <a:t>6.3 Sequenciar as atividades</a:t>
+            </a:r>
+          </a:p>
+        </p:txBody>
+      </p:sp>
+      <p:sp>
+        <p:nvSpPr>
+          <p:cNvPr id="3" name="Espaço Reservado para Conteúdo 2"/>
+          <p:cNvSpPr>
+            <a:spLocks noGrp="1"/>
+          </p:cNvSpPr>
+          <p:nvPr>
+            <p:ph idx="1"/>
+          </p:nvPr>
+        </p:nvSpPr>
+        <p:spPr/>
+        <p:txBody>
+          <a:bodyPr>
+            <a:normAutofit fontScale="77500" lnSpcReduction="20000"/>
+          </a:bodyPr>
+          <a:lstStyle/>
+          <a:p>
+            <a:r>
+              <a:rPr lang="pt-BR" dirty="0"/>
+              <a:t>É o processo de identificação e documentação dos relacionamentos entre as atividades do projeto. </a:t>
+            </a:r>
+            <a:br>
+              <a:rPr lang="pt-BR" dirty="0"/>
+            </a:br>
+            <a:r>
+              <a:rPr lang="pt-BR" dirty="0"/>
+              <a:t>É comum a utilizar de um diagrama de rede para mostrar a ordem das atividades, com suas precedências, por exemplo. </a:t>
+            </a:r>
+          </a:p>
+          <a:p>
+            <a:r>
+              <a:rPr lang="pt-BR" dirty="0"/>
+              <a:t>Entradas </a:t>
+            </a:r>
+            <a:br>
+              <a:rPr lang="pt-BR" dirty="0"/>
+            </a:br>
+            <a:r>
+              <a:rPr lang="pt-BR" dirty="0"/>
+              <a:t>	Plano de Gerenciamento do Cronograma </a:t>
+            </a:r>
+            <a:br>
+              <a:rPr lang="pt-BR" dirty="0"/>
+            </a:br>
+            <a:r>
+              <a:rPr lang="pt-BR" dirty="0"/>
+              <a:t>	Lista de atividades </a:t>
+            </a:r>
+            <a:br>
+              <a:rPr lang="pt-BR" dirty="0"/>
+            </a:br>
+            <a:r>
+              <a:rPr lang="pt-BR" dirty="0"/>
+              <a:t>	Atributos das atividades </a:t>
+            </a:r>
+            <a:br>
+              <a:rPr lang="pt-BR" dirty="0"/>
+            </a:br>
+            <a:r>
+              <a:rPr lang="pt-BR" dirty="0"/>
+              <a:t>	Lista de marcos </a:t>
+            </a:r>
+            <a:br>
+              <a:rPr lang="pt-BR" dirty="0"/>
+            </a:br>
+            <a:r>
+              <a:rPr lang="pt-BR" dirty="0"/>
+              <a:t>	Declaração do escopo do projeto </a:t>
+            </a:r>
+            <a:br>
+              <a:rPr lang="pt-BR" dirty="0"/>
+            </a:br>
+            <a:r>
+              <a:rPr lang="pt-BR" dirty="0"/>
+              <a:t>	Fatores ambientais da empresa </a:t>
+            </a:r>
+            <a:br>
+              <a:rPr lang="pt-BR" dirty="0"/>
+            </a:br>
+            <a:r>
+              <a:rPr lang="pt-BR" dirty="0"/>
+              <a:t>	Ativos de processos organizacionais </a:t>
+            </a:r>
+          </a:p>
+          <a:p>
+            <a:r>
+              <a:rPr lang="pt-BR" dirty="0"/>
+              <a:t>Ferramentas &amp; Técnicas </a:t>
+            </a:r>
+            <a:br>
+              <a:rPr lang="pt-BR" dirty="0"/>
+            </a:br>
+            <a:r>
+              <a:rPr lang="pt-BR" dirty="0"/>
+              <a:t>	Método do diagrama de precedência (MDP) </a:t>
+            </a:r>
+            <a:br>
+              <a:rPr lang="pt-BR" dirty="0"/>
+            </a:br>
+            <a:r>
+              <a:rPr lang="pt-BR" dirty="0"/>
+              <a:t>	Determinação de dependência </a:t>
+            </a:r>
+            <a:br>
+              <a:rPr lang="pt-BR" dirty="0"/>
+            </a:br>
+            <a:r>
+              <a:rPr lang="pt-BR" dirty="0"/>
+              <a:t>	Antecipações e esperas </a:t>
+            </a:r>
+          </a:p>
+          <a:p>
+            <a:r>
+              <a:rPr lang="pt-BR" dirty="0"/>
+              <a:t>Saídas </a:t>
+            </a:r>
+            <a:br>
+              <a:rPr lang="pt-BR" dirty="0"/>
+            </a:br>
+            <a:r>
+              <a:rPr lang="pt-BR" dirty="0"/>
+              <a:t>	Diagrama de rede do cronograma do projeto </a:t>
+            </a:r>
+            <a:br>
+              <a:rPr lang="pt-BR" dirty="0"/>
+            </a:br>
+            <a:r>
+              <a:rPr lang="pt-BR" dirty="0"/>
+              <a:t>	Atualizações dos documentos do projeto</a:t>
+            </a:r>
+          </a:p>
+        </p:txBody>
+      </p:sp>
+      <p:sp>
+        <p:nvSpPr>
+          <p:cNvPr id="4" name="Espaço Reservado para Rodapé 3"/>
+          <p:cNvSpPr>
+            <a:spLocks noGrp="1"/>
+          </p:cNvSpPr>
+          <p:nvPr>
+            <p:ph type="ftr" sz="quarter" idx="11"/>
+          </p:nvPr>
+        </p:nvSpPr>
+        <p:spPr/>
+        <p:txBody>
+          <a:bodyPr/>
+          <a:lstStyle/>
+          <a:p>
+            <a:r>
+              <a:rPr lang="pt-BR"/>
+              <a:t>Gestão de Tempo</a:t>
+            </a:r>
+          </a:p>
+        </p:txBody>
+      </p:sp>
+      <p:sp>
+        <p:nvSpPr>
+          <p:cNvPr id="5" name="Espaço Reservado para Número de Slide 4"/>
+          <p:cNvSpPr>
+            <a:spLocks noGrp="1"/>
+          </p:cNvSpPr>
+          <p:nvPr>
+            <p:ph type="sldNum" sz="quarter" idx="12"/>
+          </p:nvPr>
+        </p:nvSpPr>
+        <p:spPr/>
+        <p:txBody>
+          <a:bodyPr/>
+          <a:lstStyle/>
+          <a:p>
+            <a:fld id="{E00582C5-1892-4DFB-94B5-D9561028E520}" type="slidenum">
+              <a:rPr lang="pt-BR" smtClean="0"/>
+              <a:t>16</a:t>
+            </a:fld>
+            <a:endParaRPr lang="pt-BR"/>
+          </a:p>
+        </p:txBody>
+      </p:sp>
+    </p:spTree>
+    <p:extLst>
+      <p:ext uri="{BB962C8B-B14F-4D97-AF65-F5344CB8AC3E}">
+        <p14:creationId xmlns:p14="http://schemas.microsoft.com/office/powerpoint/2010/main" val="2075401262"/>
+      </p:ext>
+    </p:extLst>
+  </p:cSld>
+  <p:clrMapOvr>
+    <a:masterClrMapping/>
+  </p:clrMapOvr>
+</p:sld>
+</file>
+
+<file path=ppt/slides/slide17.xml><?xml version="1.0" encoding="utf-8"?>
+<p:sld xmlns:a="http://schemas.openxmlformats.org/drawingml/2006/main" xmlns:r="http://schemas.openxmlformats.org/officeDocument/2006/relationships" xmlns:p="http://schemas.openxmlformats.org/presentationml/2006/main">
+  <p:cSld>
+    <p:spTree>
+      <p:nvGrpSpPr>
+        <p:cNvPr id="1" name=""/>
+        <p:cNvGrpSpPr/>
+        <p:nvPr/>
+      </p:nvGrpSpPr>
+      <p:grpSpPr>
+        <a:xfrm>
+          <a:off x="0" y="0"/>
+          <a:ext cx="0" cy="0"/>
+          <a:chOff x="0" y="0"/>
+          <a:chExt cx="0" cy="0"/>
+        </a:xfrm>
+      </p:grpSpPr>
+      <p:sp>
+        <p:nvSpPr>
+          <p:cNvPr id="2" name="Título 1"/>
+          <p:cNvSpPr>
+            <a:spLocks noGrp="1"/>
+          </p:cNvSpPr>
+          <p:nvPr>
+            <p:ph type="title"/>
+          </p:nvPr>
+        </p:nvSpPr>
+        <p:spPr/>
+        <p:txBody>
+          <a:bodyPr/>
+          <a:lstStyle/>
+          <a:p>
+            <a:r>
+              <a:rPr lang="pt-BR" b="1" dirty="0"/>
+              <a:t>6.3.1 Sequenciar as atividades: entradas</a:t>
+            </a:r>
+            <a:endParaRPr lang="pt-BR" dirty="0"/>
+          </a:p>
+        </p:txBody>
+      </p:sp>
+      <p:sp>
+        <p:nvSpPr>
+          <p:cNvPr id="3" name="Espaço Reservado para Conteúdo 2"/>
+          <p:cNvSpPr>
+            <a:spLocks noGrp="1"/>
+          </p:cNvSpPr>
+          <p:nvPr>
+            <p:ph idx="1"/>
+          </p:nvPr>
+        </p:nvSpPr>
+        <p:spPr/>
+        <p:txBody>
+          <a:bodyPr>
+            <a:normAutofit fontScale="92500" lnSpcReduction="20000"/>
+          </a:bodyPr>
+          <a:lstStyle/>
+          <a:p>
+            <a:r>
+              <a:rPr lang="pt-BR" b="1" dirty="0"/>
+              <a:t>6.3.1.1 Plano de gerenciamento do cronograma</a:t>
+            </a:r>
+          </a:p>
+          <a:p>
+            <a:pPr lvl="1"/>
+            <a:r>
+              <a:rPr lang="pt-BR" dirty="0"/>
+              <a:t>O plano de gerenciamento do cronograma identifica o método e a ferramenta de cronograma a serem usados no projeto, que guiará o sequenciamento das atividades. (Seção 6.1.3.1)</a:t>
+            </a:r>
+            <a:endParaRPr lang="pt-BR" b="1" dirty="0"/>
+          </a:p>
+          <a:p>
+            <a:r>
+              <a:rPr lang="pt-BR" b="1" dirty="0"/>
+              <a:t>6.3.1.2 Lista de atividades</a:t>
+            </a:r>
+          </a:p>
+          <a:p>
+            <a:pPr lvl="1"/>
+            <a:r>
+              <a:rPr lang="pt-BR" dirty="0"/>
+              <a:t>A lista de atividades contém todas as atividades do cronograma necessárias no projeto, que deverão ser sequenciadas. (Seção 6.2.3.1)</a:t>
+            </a:r>
+            <a:endParaRPr lang="pt-BR" b="1" dirty="0"/>
+          </a:p>
+          <a:p>
+            <a:r>
+              <a:rPr lang="pt-BR" b="1" dirty="0"/>
+              <a:t>6.3.1.3 Atributos das atividades</a:t>
+            </a:r>
+          </a:p>
+          <a:p>
+            <a:r>
+              <a:rPr lang="pt-BR" dirty="0"/>
+              <a:t>Os atributos da atividade podem descrever uma sequência necessária de eventos ou relações definidas de predecessores ou sucessores. (Seção 6.2.3.2)</a:t>
+            </a:r>
+            <a:endParaRPr lang="pt-BR" b="1" dirty="0"/>
+          </a:p>
+          <a:p>
+            <a:r>
+              <a:rPr lang="pt-BR" b="1" dirty="0"/>
+              <a:t>6.3.1.4 Lista de marcos</a:t>
+            </a:r>
+          </a:p>
+          <a:p>
+            <a:r>
+              <a:rPr lang="pt-BR" dirty="0"/>
+              <a:t>A lista de marcos pode conter datas agendadas para marcos específicos, que podem influenciar a maneira como as atividades são sequenciadas. (Seção 6.2.3.3)</a:t>
+            </a:r>
+            <a:endParaRPr lang="pt-BR" b="1" dirty="0"/>
+          </a:p>
+        </p:txBody>
+      </p:sp>
+      <p:sp>
+        <p:nvSpPr>
+          <p:cNvPr id="4" name="Espaço Reservado para Rodapé 3"/>
+          <p:cNvSpPr>
+            <a:spLocks noGrp="1"/>
+          </p:cNvSpPr>
+          <p:nvPr>
+            <p:ph type="ftr" sz="quarter" idx="11"/>
+          </p:nvPr>
+        </p:nvSpPr>
+        <p:spPr/>
+        <p:txBody>
+          <a:bodyPr/>
+          <a:lstStyle/>
+          <a:p>
+            <a:r>
+              <a:rPr lang="pt-BR"/>
+              <a:t>Gestão de Tempo</a:t>
+            </a:r>
+          </a:p>
+        </p:txBody>
+      </p:sp>
+      <p:sp>
+        <p:nvSpPr>
+          <p:cNvPr id="5" name="Espaço Reservado para Número de Slide 4"/>
+          <p:cNvSpPr>
+            <a:spLocks noGrp="1"/>
+          </p:cNvSpPr>
+          <p:nvPr>
+            <p:ph type="sldNum" sz="quarter" idx="12"/>
+          </p:nvPr>
+        </p:nvSpPr>
+        <p:spPr/>
+        <p:txBody>
+          <a:bodyPr/>
+          <a:lstStyle/>
+          <a:p>
+            <a:fld id="{E00582C5-1892-4DFB-94B5-D9561028E520}" type="slidenum">
+              <a:rPr lang="pt-BR" smtClean="0"/>
+              <a:t>17</a:t>
+            </a:fld>
+            <a:endParaRPr lang="pt-BR"/>
+          </a:p>
+        </p:txBody>
+      </p:sp>
+    </p:spTree>
+    <p:extLst>
+      <p:ext uri="{BB962C8B-B14F-4D97-AF65-F5344CB8AC3E}">
+        <p14:creationId xmlns:p14="http://schemas.microsoft.com/office/powerpoint/2010/main" val="998111021"/>
+      </p:ext>
+    </p:extLst>
+  </p:cSld>
+  <p:clrMapOvr>
+    <a:masterClrMapping/>
+  </p:clrMapOvr>
+</p:sld>
+</file>
+
+<file path=ppt/slides/slide18.xml><?xml version="1.0" encoding="utf-8"?>
+<p:sld xmlns:a="http://schemas.openxmlformats.org/drawingml/2006/main" xmlns:r="http://schemas.openxmlformats.org/officeDocument/2006/relationships" xmlns:p="http://schemas.openxmlformats.org/presentationml/2006/main">
+  <p:cSld>
+    <p:spTree>
+      <p:nvGrpSpPr>
+        <p:cNvPr id="1" name=""/>
+        <p:cNvGrpSpPr/>
+        <p:nvPr/>
+      </p:nvGrpSpPr>
+      <p:grpSpPr>
+        <a:xfrm>
+          <a:off x="0" y="0"/>
+          <a:ext cx="0" cy="0"/>
+          <a:chOff x="0" y="0"/>
+          <a:chExt cx="0" cy="0"/>
+        </a:xfrm>
+      </p:grpSpPr>
+      <p:sp>
+        <p:nvSpPr>
+          <p:cNvPr id="2" name="Título 1"/>
+          <p:cNvSpPr>
+            <a:spLocks noGrp="1"/>
+          </p:cNvSpPr>
+          <p:nvPr>
+            <p:ph type="title"/>
+          </p:nvPr>
+        </p:nvSpPr>
+        <p:spPr/>
+        <p:txBody>
+          <a:bodyPr/>
+          <a:lstStyle/>
+          <a:p>
+            <a:r>
+              <a:rPr lang="pt-BR" b="1" dirty="0"/>
+              <a:t>6.3.1 Sequenciar as atividades: entradas</a:t>
+            </a:r>
+            <a:endParaRPr lang="pt-BR" dirty="0"/>
+          </a:p>
+        </p:txBody>
+      </p:sp>
+      <p:sp>
+        <p:nvSpPr>
+          <p:cNvPr id="3" name="Espaço Reservado para Conteúdo 2"/>
+          <p:cNvSpPr>
+            <a:spLocks noGrp="1"/>
+          </p:cNvSpPr>
+          <p:nvPr>
+            <p:ph idx="1"/>
+          </p:nvPr>
+        </p:nvSpPr>
+        <p:spPr/>
+        <p:txBody>
+          <a:bodyPr>
+            <a:normAutofit fontScale="77500" lnSpcReduction="20000"/>
+          </a:bodyPr>
+          <a:lstStyle/>
+          <a:p>
+            <a:r>
+              <a:rPr lang="pt-BR" b="1" dirty="0"/>
+              <a:t>6.3.1.5 Especificação do escopo do projeto</a:t>
+            </a:r>
+          </a:p>
+          <a:p>
+            <a:pPr lvl="1"/>
+            <a:r>
+              <a:rPr lang="pt-BR" dirty="0"/>
+              <a:t>A especificação do escopo do projeto contém a descrição do escopo do produto, que inclui as características do produto que podem afetar o sequenciamento das atividades, tal como a disposição física de uma fábrica a ser construída ou interfaces de subsistemas em um projeto de </a:t>
+            </a:r>
+            <a:r>
+              <a:rPr lang="pt-BR" i="1" dirty="0"/>
+              <a:t>software</a:t>
+            </a:r>
+            <a:r>
+              <a:rPr lang="pt-BR" dirty="0"/>
+              <a:t>. (Seção 5.3.3.1)</a:t>
+            </a:r>
+            <a:endParaRPr lang="pt-BR" b="1" dirty="0"/>
+          </a:p>
+          <a:p>
+            <a:r>
+              <a:rPr lang="pt-BR" b="1" dirty="0"/>
+              <a:t>6.3.1.6 Fatores ambientais da empresa</a:t>
+            </a:r>
+          </a:p>
+          <a:p>
+            <a:pPr lvl="1"/>
+            <a:r>
+              <a:rPr lang="pt-BR" dirty="0"/>
+              <a:t>Os fatores ambientais da empresa que influenciam o processo de sequenciar as atividades e incluem, mas não estão limitados, a: padrões governamentais ou os setores econômicos, sistema de informações de gerenciamento de projetos (SIGP), ferramenta de cronograma, e sistemas de autorização de trabalho da empresa. (Seção 2.1.5)</a:t>
+            </a:r>
+            <a:endParaRPr lang="pt-BR" b="1" dirty="0"/>
+          </a:p>
+          <a:p>
+            <a:r>
+              <a:rPr lang="pt-BR" b="1" dirty="0"/>
+              <a:t>6.3.1.7 Ativos de processos organizacionais</a:t>
+            </a:r>
+          </a:p>
+          <a:p>
+            <a:pPr lvl="1"/>
+            <a:r>
+              <a:rPr lang="pt-BR" dirty="0"/>
+              <a:t>Os ativos de processos organizacionais que podem influenciar o processo Sequenciar as atividades incluem, mas não estão limitados a arquivos de projetos da base de conhecimento da corporação usada para metodologia de agendamento, políticas, procedimentos e diretrizes formais e informais existentes relacionados com o planejamento de atividades, tais como a metodologia de agendamento que é considerada no desenvolvimento de relações lógicas, e modelos que podem ser usados para acelerar a preparação de redes de atividades do projeto. (Seção 2.1.4)</a:t>
+            </a:r>
+          </a:p>
+          <a:p>
+            <a:endParaRPr lang="pt-BR" dirty="0"/>
+          </a:p>
+        </p:txBody>
+      </p:sp>
+      <p:sp>
+        <p:nvSpPr>
+          <p:cNvPr id="4" name="Espaço Reservado para Rodapé 3"/>
+          <p:cNvSpPr>
+            <a:spLocks noGrp="1"/>
+          </p:cNvSpPr>
+          <p:nvPr>
+            <p:ph type="ftr" sz="quarter" idx="11"/>
+          </p:nvPr>
+        </p:nvSpPr>
+        <p:spPr/>
+        <p:txBody>
+          <a:bodyPr/>
+          <a:lstStyle/>
+          <a:p>
+            <a:r>
+              <a:rPr lang="pt-BR"/>
+              <a:t>Gestão de Tempo</a:t>
+            </a:r>
+          </a:p>
+        </p:txBody>
+      </p:sp>
+      <p:sp>
+        <p:nvSpPr>
+          <p:cNvPr id="5" name="Espaço Reservado para Número de Slide 4"/>
+          <p:cNvSpPr>
+            <a:spLocks noGrp="1"/>
+          </p:cNvSpPr>
+          <p:nvPr>
+            <p:ph type="sldNum" sz="quarter" idx="12"/>
+          </p:nvPr>
+        </p:nvSpPr>
+        <p:spPr/>
+        <p:txBody>
+          <a:bodyPr/>
+          <a:lstStyle/>
+          <a:p>
+            <a:fld id="{E00582C5-1892-4DFB-94B5-D9561028E520}" type="slidenum">
+              <a:rPr lang="pt-BR" smtClean="0"/>
+              <a:t>18</a:t>
+            </a:fld>
+            <a:endParaRPr lang="pt-BR"/>
+          </a:p>
+        </p:txBody>
+      </p:sp>
+    </p:spTree>
+    <p:extLst>
+      <p:ext uri="{BB962C8B-B14F-4D97-AF65-F5344CB8AC3E}">
+        <p14:creationId xmlns:p14="http://schemas.microsoft.com/office/powerpoint/2010/main" val="998111021"/>
+      </p:ext>
+    </p:extLst>
+  </p:cSld>
+  <p:clrMapOvr>
+    <a:masterClrMapping/>
+  </p:clrMapOvr>
+</p:sld>
+</file>
+
+<file path=ppt/slides/slide19.xml><?xml version="1.0" encoding="utf-8"?>
+<p:sld xmlns:a="http://schemas.openxmlformats.org/drawingml/2006/main" xmlns:r="http://schemas.openxmlformats.org/officeDocument/2006/relationships" xmlns:p="http://schemas.openxmlformats.org/presentationml/2006/main">
+  <p:cSld>
+    <p:spTree>
+      <p:nvGrpSpPr>
+        <p:cNvPr id="1" name=""/>
+        <p:cNvGrpSpPr/>
+        <p:nvPr/>
+      </p:nvGrpSpPr>
+      <p:grpSpPr>
+        <a:xfrm>
+          <a:off x="0" y="0"/>
+          <a:ext cx="0" cy="0"/>
+          <a:chOff x="0" y="0"/>
+          <a:chExt cx="0" cy="0"/>
+        </a:xfrm>
+      </p:grpSpPr>
+      <p:sp>
+        <p:nvSpPr>
+          <p:cNvPr id="2" name="Título 1"/>
+          <p:cNvSpPr>
+            <a:spLocks noGrp="1"/>
+          </p:cNvSpPr>
+          <p:nvPr>
+            <p:ph type="title"/>
+          </p:nvPr>
+        </p:nvSpPr>
+        <p:spPr>
+          <a:xfrm>
+            <a:off x="2592925" y="624110"/>
+            <a:ext cx="8911687" cy="1280890"/>
+          </a:xfrm>
+        </p:spPr>
+        <p:txBody>
+          <a:bodyPr/>
+          <a:lstStyle/>
+          <a:p>
+            <a:r>
+              <a:rPr lang="pt-BR" b="1" dirty="0"/>
+              <a:t>6.3.2 Sequenciar as atividades: ferramentas e técnicas</a:t>
+            </a:r>
+            <a:endParaRPr lang="pt-BR" dirty="0"/>
+          </a:p>
+        </p:txBody>
+      </p:sp>
+      <p:sp>
+        <p:nvSpPr>
+          <p:cNvPr id="3" name="Espaço Reservado para Conteúdo 2"/>
+          <p:cNvSpPr>
+            <a:spLocks noGrp="1"/>
+          </p:cNvSpPr>
+          <p:nvPr>
+            <p:ph idx="1"/>
+          </p:nvPr>
+        </p:nvSpPr>
+        <p:spPr>
+          <a:xfrm>
+            <a:off x="2589212" y="2133600"/>
+            <a:ext cx="8915400" cy="3777622"/>
+          </a:xfrm>
+        </p:spPr>
+        <p:txBody>
+          <a:bodyPr>
+            <a:normAutofit/>
+          </a:bodyPr>
+          <a:lstStyle/>
+          <a:p>
+            <a:r>
+              <a:rPr lang="pt-BR" b="1" dirty="0"/>
+              <a:t>6.3.2.1 Método do diagrama de precedência</a:t>
+            </a:r>
+          </a:p>
+          <a:p>
+            <a:pPr lvl="1"/>
+            <a:r>
+              <a:rPr lang="pt-BR" dirty="0"/>
+              <a:t>O método do diagrama de precedência (MDP) é uma técnica usada para construir um modelo de cronograma em que as atividades são representadas por nós e ligadas graficamente por um ou mais relacionamentos lógicos para mostrar a sequência em que as atividades devem ser executadas.</a:t>
+            </a:r>
+          </a:p>
+          <a:p>
+            <a:pPr lvl="1"/>
+            <a:endParaRPr lang="pt-BR" b="1" dirty="0"/>
+          </a:p>
+          <a:p>
+            <a:endParaRPr lang="pt-BR" b="1" dirty="0"/>
+          </a:p>
+        </p:txBody>
+      </p:sp>
+      <p:sp>
+        <p:nvSpPr>
+          <p:cNvPr id="4" name="Espaço Reservado para Rodapé 3"/>
+          <p:cNvSpPr>
+            <a:spLocks noGrp="1"/>
+          </p:cNvSpPr>
+          <p:nvPr>
+            <p:ph type="ftr" sz="quarter" idx="11"/>
+          </p:nvPr>
+        </p:nvSpPr>
+        <p:spPr>
+          <a:xfrm>
+            <a:off x="2589212" y="6135808"/>
+            <a:ext cx="7619999" cy="365125"/>
+          </a:xfrm>
+        </p:spPr>
+        <p:txBody>
+          <a:bodyPr/>
+          <a:lstStyle/>
+          <a:p>
+            <a:r>
+              <a:rPr lang="pt-BR" dirty="0"/>
+              <a:t>Gestão de Tempo</a:t>
+            </a:r>
+          </a:p>
+        </p:txBody>
+      </p:sp>
+      <p:sp>
+        <p:nvSpPr>
+          <p:cNvPr id="5" name="Espaço Reservado para Número de Slide 4"/>
+          <p:cNvSpPr>
+            <a:spLocks noGrp="1"/>
+          </p:cNvSpPr>
+          <p:nvPr>
+            <p:ph type="sldNum" sz="quarter" idx="12"/>
+          </p:nvPr>
+        </p:nvSpPr>
+        <p:spPr>
+          <a:xfrm>
+            <a:off x="531812" y="787782"/>
+            <a:ext cx="779767" cy="365125"/>
+          </a:xfrm>
+        </p:spPr>
+        <p:txBody>
+          <a:bodyPr/>
+          <a:lstStyle/>
+          <a:p>
+            <a:fld id="{E00582C5-1892-4DFB-94B5-D9561028E520}" type="slidenum">
+              <a:rPr lang="pt-BR" smtClean="0"/>
+              <a:t>19</a:t>
+            </a:fld>
+            <a:endParaRPr lang="pt-BR"/>
+          </a:p>
+        </p:txBody>
+      </p:sp>
+    </p:spTree>
+    <p:extLst>
+      <p:ext uri="{BB962C8B-B14F-4D97-AF65-F5344CB8AC3E}">
+        <p14:creationId xmlns:p14="http://schemas.microsoft.com/office/powerpoint/2010/main" val="2278877972"/>
       </p:ext>
     </p:extLst>
   </p:cSld>
@@ -11963,6 +13151,1264 @@
 </p:sld>
 </file>
 
+<file path=ppt/slides/slide20.xml><?xml version="1.0" encoding="utf-8"?>
+<p:sld xmlns:a="http://schemas.openxmlformats.org/drawingml/2006/main" xmlns:r="http://schemas.openxmlformats.org/officeDocument/2006/relationships" xmlns:p="http://schemas.openxmlformats.org/presentationml/2006/main">
+  <p:cSld>
+    <p:spTree>
+      <p:nvGrpSpPr>
+        <p:cNvPr id="1" name=""/>
+        <p:cNvGrpSpPr/>
+        <p:nvPr/>
+      </p:nvGrpSpPr>
+      <p:grpSpPr>
+        <a:xfrm>
+          <a:off x="0" y="0"/>
+          <a:ext cx="0" cy="0"/>
+          <a:chOff x="0" y="0"/>
+          <a:chExt cx="0" cy="0"/>
+        </a:xfrm>
+      </p:grpSpPr>
+      <p:sp>
+        <p:nvSpPr>
+          <p:cNvPr id="2" name="Título 1"/>
+          <p:cNvSpPr>
+            <a:spLocks noGrp="1"/>
+          </p:cNvSpPr>
+          <p:nvPr>
+            <p:ph type="title"/>
+          </p:nvPr>
+        </p:nvSpPr>
+        <p:spPr>
+          <a:xfrm>
+            <a:off x="2592925" y="624110"/>
+            <a:ext cx="8911687" cy="1280890"/>
+          </a:xfrm>
+        </p:spPr>
+        <p:txBody>
+          <a:bodyPr/>
+          <a:lstStyle/>
+          <a:p>
+            <a:r>
+              <a:rPr lang="pt-BR" b="1" dirty="0"/>
+              <a:t>6.3.2 Sequenciar as atividades: ferramentas e técnicas</a:t>
+            </a:r>
+            <a:endParaRPr lang="pt-BR" dirty="0"/>
+          </a:p>
+        </p:txBody>
+      </p:sp>
+      <p:sp>
+        <p:nvSpPr>
+          <p:cNvPr id="3" name="Espaço Reservado para Conteúdo 2"/>
+          <p:cNvSpPr>
+            <a:spLocks noGrp="1"/>
+          </p:cNvSpPr>
+          <p:nvPr>
+            <p:ph idx="1"/>
+          </p:nvPr>
+        </p:nvSpPr>
+        <p:spPr>
+          <a:xfrm>
+            <a:off x="2589212" y="2133600"/>
+            <a:ext cx="8915400" cy="3777622"/>
+          </a:xfrm>
+        </p:spPr>
+        <p:txBody>
+          <a:bodyPr>
+            <a:normAutofit/>
+          </a:bodyPr>
+          <a:lstStyle/>
+          <a:p>
+            <a:endParaRPr lang="pt-BR" b="1" dirty="0"/>
+          </a:p>
+          <a:p>
+            <a:endParaRPr lang="pt-BR" b="1" dirty="0"/>
+          </a:p>
+          <a:p>
+            <a:endParaRPr lang="pt-BR" b="1" dirty="0"/>
+          </a:p>
+          <a:p>
+            <a:endParaRPr lang="pt-BR" b="1" dirty="0"/>
+          </a:p>
+          <a:p>
+            <a:endParaRPr lang="pt-BR" b="1" dirty="0"/>
+          </a:p>
+        </p:txBody>
+      </p:sp>
+      <p:sp>
+        <p:nvSpPr>
+          <p:cNvPr id="4" name="Espaço Reservado para Rodapé 3"/>
+          <p:cNvSpPr>
+            <a:spLocks noGrp="1"/>
+          </p:cNvSpPr>
+          <p:nvPr>
+            <p:ph type="ftr" sz="quarter" idx="11"/>
+          </p:nvPr>
+        </p:nvSpPr>
+        <p:spPr>
+          <a:xfrm>
+            <a:off x="2589212" y="6135808"/>
+            <a:ext cx="7619999" cy="365125"/>
+          </a:xfrm>
+        </p:spPr>
+        <p:txBody>
+          <a:bodyPr/>
+          <a:lstStyle/>
+          <a:p>
+            <a:r>
+              <a:rPr lang="pt-BR" dirty="0"/>
+              <a:t>Gestão de Tempo</a:t>
+            </a:r>
+          </a:p>
+        </p:txBody>
+      </p:sp>
+      <p:sp>
+        <p:nvSpPr>
+          <p:cNvPr id="5" name="Espaço Reservado para Número de Slide 4"/>
+          <p:cNvSpPr>
+            <a:spLocks noGrp="1"/>
+          </p:cNvSpPr>
+          <p:nvPr>
+            <p:ph type="sldNum" sz="quarter" idx="12"/>
+          </p:nvPr>
+        </p:nvSpPr>
+        <p:spPr>
+          <a:xfrm>
+            <a:off x="531812" y="787782"/>
+            <a:ext cx="779767" cy="365125"/>
+          </a:xfrm>
+        </p:spPr>
+        <p:txBody>
+          <a:bodyPr/>
+          <a:lstStyle/>
+          <a:p>
+            <a:fld id="{E00582C5-1892-4DFB-94B5-D9561028E520}" type="slidenum">
+              <a:rPr lang="pt-BR" smtClean="0"/>
+              <a:t>20</a:t>
+            </a:fld>
+            <a:endParaRPr lang="pt-BR"/>
+          </a:p>
+        </p:txBody>
+      </p:sp>
+      <p:pic>
+        <p:nvPicPr>
+          <p:cNvPr id="6" name="Imagem 5"/>
+          <p:cNvPicPr/>
+          <p:nvPr/>
+        </p:nvPicPr>
+        <p:blipFill>
+          <a:blip r:embed="rId2" cstate="print">
+            <a:extLst>
+              <a:ext uri="{28A0092B-C50C-407E-A947-70E740481C1C}">
+                <a14:useLocalDpi xmlns:a14="http://schemas.microsoft.com/office/drawing/2010/main" val="0"/>
+              </a:ext>
+            </a:extLst>
+          </a:blip>
+          <a:srcRect/>
+          <a:stretch>
+            <a:fillRect/>
+          </a:stretch>
+        </p:blipFill>
+        <p:spPr bwMode="auto">
+          <a:xfrm>
+            <a:off x="3699191" y="1748593"/>
+            <a:ext cx="5400040" cy="4387215"/>
+          </a:xfrm>
+          <a:prstGeom prst="rect">
+            <a:avLst/>
+          </a:prstGeom>
+          <a:noFill/>
+          <a:ln>
+            <a:noFill/>
+          </a:ln>
+        </p:spPr>
+      </p:pic>
+    </p:spTree>
+    <p:extLst>
+      <p:ext uri="{BB962C8B-B14F-4D97-AF65-F5344CB8AC3E}">
+        <p14:creationId xmlns:p14="http://schemas.microsoft.com/office/powerpoint/2010/main" val="2278877972"/>
+      </p:ext>
+    </p:extLst>
+  </p:cSld>
+  <p:clrMapOvr>
+    <a:masterClrMapping/>
+  </p:clrMapOvr>
+</p:sld>
+</file>
+
+<file path=ppt/slides/slide21.xml><?xml version="1.0" encoding="utf-8"?>
+<p:sld xmlns:a="http://schemas.openxmlformats.org/drawingml/2006/main" xmlns:r="http://schemas.openxmlformats.org/officeDocument/2006/relationships" xmlns:p="http://schemas.openxmlformats.org/presentationml/2006/main">
+  <p:cSld>
+    <p:spTree>
+      <p:nvGrpSpPr>
+        <p:cNvPr id="1" name=""/>
+        <p:cNvGrpSpPr/>
+        <p:nvPr/>
+      </p:nvGrpSpPr>
+      <p:grpSpPr>
+        <a:xfrm>
+          <a:off x="0" y="0"/>
+          <a:ext cx="0" cy="0"/>
+          <a:chOff x="0" y="0"/>
+          <a:chExt cx="0" cy="0"/>
+        </a:xfrm>
+      </p:grpSpPr>
+      <p:sp>
+        <p:nvSpPr>
+          <p:cNvPr id="2" name="Título 1"/>
+          <p:cNvSpPr>
+            <a:spLocks noGrp="1"/>
+          </p:cNvSpPr>
+          <p:nvPr>
+            <p:ph type="title"/>
+          </p:nvPr>
+        </p:nvSpPr>
+        <p:spPr>
+          <a:xfrm>
+            <a:off x="2592925" y="624110"/>
+            <a:ext cx="8911687" cy="1280890"/>
+          </a:xfrm>
+        </p:spPr>
+        <p:txBody>
+          <a:bodyPr/>
+          <a:lstStyle/>
+          <a:p>
+            <a:r>
+              <a:rPr lang="pt-BR" b="1" dirty="0"/>
+              <a:t>6.3.2 Sequenciar as atividades: ferramentas e técnicas</a:t>
+            </a:r>
+            <a:endParaRPr lang="pt-BR" dirty="0"/>
+          </a:p>
+        </p:txBody>
+      </p:sp>
+      <p:sp>
+        <p:nvSpPr>
+          <p:cNvPr id="3" name="Espaço Reservado para Conteúdo 2"/>
+          <p:cNvSpPr>
+            <a:spLocks noGrp="1"/>
+          </p:cNvSpPr>
+          <p:nvPr>
+            <p:ph idx="1"/>
+          </p:nvPr>
+        </p:nvSpPr>
+        <p:spPr>
+          <a:xfrm>
+            <a:off x="2589212" y="2133600"/>
+            <a:ext cx="8915400" cy="3777622"/>
+          </a:xfrm>
+        </p:spPr>
+        <p:txBody>
+          <a:bodyPr>
+            <a:normAutofit/>
+          </a:bodyPr>
+          <a:lstStyle/>
+          <a:p>
+            <a:r>
+              <a:rPr lang="pt-BR" b="1" dirty="0"/>
+              <a:t>6.3.2.2 Determinação de dependência</a:t>
+            </a:r>
+          </a:p>
+          <a:p>
+            <a:r>
+              <a:rPr lang="pt-BR" dirty="0"/>
+              <a:t>A respeito das dependências, existem 4 tipos de categorias: </a:t>
+            </a:r>
+          </a:p>
+          <a:p>
+            <a:r>
+              <a:rPr lang="pt-BR" dirty="0"/>
+              <a:t>Dependências obrigatórios (mandatórias): </a:t>
+            </a:r>
+            <a:br>
+              <a:rPr lang="pt-BR" dirty="0"/>
+            </a:br>
+            <a:r>
+              <a:rPr lang="pt-BR" dirty="0"/>
+              <a:t>	– Chamada de lógica rígida; </a:t>
+            </a:r>
+            <a:br>
+              <a:rPr lang="pt-BR" dirty="0"/>
+            </a:br>
+            <a:r>
+              <a:rPr lang="pt-BR" dirty="0"/>
+              <a:t>	– Ex.: precisa levantar as paredes da casa antes de construir o telhado. </a:t>
+            </a:r>
+          </a:p>
+          <a:p>
+            <a:r>
+              <a:rPr lang="pt-BR" dirty="0"/>
+              <a:t>Dependência arbitradas: </a:t>
+            </a:r>
+            <a:br>
+              <a:rPr lang="pt-BR" dirty="0"/>
+            </a:br>
+            <a:r>
+              <a:rPr lang="pt-BR" dirty="0"/>
+              <a:t>	– Chamada de lógica fina ou lógica preferida; </a:t>
+            </a:r>
+            <a:br>
+              <a:rPr lang="pt-BR" dirty="0"/>
+            </a:br>
+            <a:r>
+              <a:rPr lang="pt-BR" dirty="0"/>
+              <a:t>	– São baseadas em algum aspecto específico do projeto onde uma determinada sequência é preferida (boas práticas de mercado); </a:t>
+            </a:r>
+            <a:br>
+              <a:rPr lang="pt-BR" dirty="0"/>
+            </a:br>
+            <a:r>
+              <a:rPr lang="pt-BR" dirty="0"/>
+              <a:t>	– Ex.: Não iniciar a pintura das paredes antes de concluir todo o acabamento da casa, pois pode danificar a pintura caso seja feita antes disto. </a:t>
+            </a:r>
+          </a:p>
+        </p:txBody>
+      </p:sp>
+      <p:sp>
+        <p:nvSpPr>
+          <p:cNvPr id="4" name="Espaço Reservado para Rodapé 3"/>
+          <p:cNvSpPr>
+            <a:spLocks noGrp="1"/>
+          </p:cNvSpPr>
+          <p:nvPr>
+            <p:ph type="ftr" sz="quarter" idx="11"/>
+          </p:nvPr>
+        </p:nvSpPr>
+        <p:spPr>
+          <a:xfrm>
+            <a:off x="2589212" y="6135808"/>
+            <a:ext cx="7619999" cy="365125"/>
+          </a:xfrm>
+        </p:spPr>
+        <p:txBody>
+          <a:bodyPr/>
+          <a:lstStyle/>
+          <a:p>
+            <a:r>
+              <a:rPr lang="pt-BR" dirty="0"/>
+              <a:t>Gestão de Tempo</a:t>
+            </a:r>
+          </a:p>
+        </p:txBody>
+      </p:sp>
+      <p:sp>
+        <p:nvSpPr>
+          <p:cNvPr id="5" name="Espaço Reservado para Número de Slide 4"/>
+          <p:cNvSpPr>
+            <a:spLocks noGrp="1"/>
+          </p:cNvSpPr>
+          <p:nvPr>
+            <p:ph type="sldNum" sz="quarter" idx="12"/>
+          </p:nvPr>
+        </p:nvSpPr>
+        <p:spPr>
+          <a:xfrm>
+            <a:off x="531812" y="787782"/>
+            <a:ext cx="779767" cy="365125"/>
+          </a:xfrm>
+        </p:spPr>
+        <p:txBody>
+          <a:bodyPr/>
+          <a:lstStyle/>
+          <a:p>
+            <a:fld id="{E00582C5-1892-4DFB-94B5-D9561028E520}" type="slidenum">
+              <a:rPr lang="pt-BR" smtClean="0"/>
+              <a:t>21</a:t>
+            </a:fld>
+            <a:endParaRPr lang="pt-BR"/>
+          </a:p>
+        </p:txBody>
+      </p:sp>
+    </p:spTree>
+    <p:extLst>
+      <p:ext uri="{BB962C8B-B14F-4D97-AF65-F5344CB8AC3E}">
+        <p14:creationId xmlns:p14="http://schemas.microsoft.com/office/powerpoint/2010/main" val="2278877972"/>
+      </p:ext>
+    </p:extLst>
+  </p:cSld>
+  <p:clrMapOvr>
+    <a:masterClrMapping/>
+  </p:clrMapOvr>
+</p:sld>
+</file>
+
+<file path=ppt/slides/slide22.xml><?xml version="1.0" encoding="utf-8"?>
+<p:sld xmlns:a="http://schemas.openxmlformats.org/drawingml/2006/main" xmlns:r="http://schemas.openxmlformats.org/officeDocument/2006/relationships" xmlns:p="http://schemas.openxmlformats.org/presentationml/2006/main">
+  <p:cSld>
+    <p:spTree>
+      <p:nvGrpSpPr>
+        <p:cNvPr id="1" name=""/>
+        <p:cNvGrpSpPr/>
+        <p:nvPr/>
+      </p:nvGrpSpPr>
+      <p:grpSpPr>
+        <a:xfrm>
+          <a:off x="0" y="0"/>
+          <a:ext cx="0" cy="0"/>
+          <a:chOff x="0" y="0"/>
+          <a:chExt cx="0" cy="0"/>
+        </a:xfrm>
+      </p:grpSpPr>
+      <p:sp>
+        <p:nvSpPr>
+          <p:cNvPr id="2" name="Título 1"/>
+          <p:cNvSpPr>
+            <a:spLocks noGrp="1"/>
+          </p:cNvSpPr>
+          <p:nvPr>
+            <p:ph type="title"/>
+          </p:nvPr>
+        </p:nvSpPr>
+        <p:spPr>
+          <a:xfrm>
+            <a:off x="2592925" y="624110"/>
+            <a:ext cx="8911687" cy="1280890"/>
+          </a:xfrm>
+        </p:spPr>
+        <p:txBody>
+          <a:bodyPr/>
+          <a:lstStyle/>
+          <a:p>
+            <a:r>
+              <a:rPr lang="pt-BR" b="1" dirty="0"/>
+              <a:t>6.3.2 Sequenciar as atividades: ferramentas e técnicas</a:t>
+            </a:r>
+            <a:endParaRPr lang="pt-BR" dirty="0"/>
+          </a:p>
+        </p:txBody>
+      </p:sp>
+      <p:sp>
+        <p:nvSpPr>
+          <p:cNvPr id="3" name="Espaço Reservado para Conteúdo 2"/>
+          <p:cNvSpPr>
+            <a:spLocks noGrp="1"/>
+          </p:cNvSpPr>
+          <p:nvPr>
+            <p:ph idx="1"/>
+          </p:nvPr>
+        </p:nvSpPr>
+        <p:spPr>
+          <a:xfrm>
+            <a:off x="2589212" y="2133600"/>
+            <a:ext cx="8915400" cy="3777622"/>
+          </a:xfrm>
+        </p:spPr>
+        <p:txBody>
+          <a:bodyPr>
+            <a:normAutofit/>
+          </a:bodyPr>
+          <a:lstStyle/>
+          <a:p>
+            <a:r>
+              <a:rPr lang="pt-BR" dirty="0"/>
+              <a:t>Dependências internas: </a:t>
+            </a:r>
+            <a:br>
+              <a:rPr lang="pt-BR" dirty="0"/>
+            </a:br>
+            <a:r>
+              <a:rPr lang="pt-BR" dirty="0"/>
+              <a:t>	– As dependências internas envolvem uma relação de precedência entre as atividades do projeto e estão geralmente sob o controle da equipe do projeto; </a:t>
+            </a:r>
+            <a:br>
+              <a:rPr lang="pt-BR" dirty="0"/>
+            </a:br>
+            <a:r>
+              <a:rPr lang="pt-BR" dirty="0"/>
+              <a:t>	– Ex.: A equipe do projeto precisa montar uma máquina antes de testá-la.</a:t>
+            </a:r>
+          </a:p>
+          <a:p>
+            <a:r>
+              <a:rPr lang="pt-BR" dirty="0"/>
+              <a:t>Dependências externas: </a:t>
+            </a:r>
+            <a:br>
+              <a:rPr lang="pt-BR" dirty="0"/>
+            </a:br>
+            <a:r>
+              <a:rPr lang="pt-BR" dirty="0"/>
+              <a:t>	– Quando há relacionamento entre atividades do projeto e atividades fora do projeto; </a:t>
+            </a:r>
+            <a:br>
+              <a:rPr lang="pt-BR" dirty="0"/>
+            </a:br>
+            <a:r>
+              <a:rPr lang="pt-BR" dirty="0"/>
+              <a:t>	– Ex.: a construção do prédio só inicia após uma autorização da prefeitura. </a:t>
+            </a:r>
+          </a:p>
+        </p:txBody>
+      </p:sp>
+      <p:sp>
+        <p:nvSpPr>
+          <p:cNvPr id="4" name="Espaço Reservado para Rodapé 3"/>
+          <p:cNvSpPr>
+            <a:spLocks noGrp="1"/>
+          </p:cNvSpPr>
+          <p:nvPr>
+            <p:ph type="ftr" sz="quarter" idx="11"/>
+          </p:nvPr>
+        </p:nvSpPr>
+        <p:spPr>
+          <a:xfrm>
+            <a:off x="2589212" y="6135808"/>
+            <a:ext cx="7619999" cy="365125"/>
+          </a:xfrm>
+        </p:spPr>
+        <p:txBody>
+          <a:bodyPr/>
+          <a:lstStyle/>
+          <a:p>
+            <a:r>
+              <a:rPr lang="pt-BR" dirty="0"/>
+              <a:t>Gestão de Tempo</a:t>
+            </a:r>
+          </a:p>
+        </p:txBody>
+      </p:sp>
+      <p:sp>
+        <p:nvSpPr>
+          <p:cNvPr id="5" name="Espaço Reservado para Número de Slide 4"/>
+          <p:cNvSpPr>
+            <a:spLocks noGrp="1"/>
+          </p:cNvSpPr>
+          <p:nvPr>
+            <p:ph type="sldNum" sz="quarter" idx="12"/>
+          </p:nvPr>
+        </p:nvSpPr>
+        <p:spPr>
+          <a:xfrm>
+            <a:off x="531812" y="787782"/>
+            <a:ext cx="779767" cy="365125"/>
+          </a:xfrm>
+        </p:spPr>
+        <p:txBody>
+          <a:bodyPr/>
+          <a:lstStyle/>
+          <a:p>
+            <a:fld id="{E00582C5-1892-4DFB-94B5-D9561028E520}" type="slidenum">
+              <a:rPr lang="pt-BR" smtClean="0"/>
+              <a:t>22</a:t>
+            </a:fld>
+            <a:endParaRPr lang="pt-BR"/>
+          </a:p>
+        </p:txBody>
+      </p:sp>
+    </p:spTree>
+    <p:extLst>
+      <p:ext uri="{BB962C8B-B14F-4D97-AF65-F5344CB8AC3E}">
+        <p14:creationId xmlns:p14="http://schemas.microsoft.com/office/powerpoint/2010/main" val="2278877972"/>
+      </p:ext>
+    </p:extLst>
+  </p:cSld>
+  <p:clrMapOvr>
+    <a:masterClrMapping/>
+  </p:clrMapOvr>
+</p:sld>
+</file>
+
+<file path=ppt/slides/slide23.xml><?xml version="1.0" encoding="utf-8"?>
+<p:sld xmlns:a="http://schemas.openxmlformats.org/drawingml/2006/main" xmlns:r="http://schemas.openxmlformats.org/officeDocument/2006/relationships" xmlns:p="http://schemas.openxmlformats.org/presentationml/2006/main">
+  <p:cSld>
+    <p:spTree>
+      <p:nvGrpSpPr>
+        <p:cNvPr id="1" name=""/>
+        <p:cNvGrpSpPr/>
+        <p:nvPr/>
+      </p:nvGrpSpPr>
+      <p:grpSpPr>
+        <a:xfrm>
+          <a:off x="0" y="0"/>
+          <a:ext cx="0" cy="0"/>
+          <a:chOff x="0" y="0"/>
+          <a:chExt cx="0" cy="0"/>
+        </a:xfrm>
+      </p:grpSpPr>
+      <p:sp>
+        <p:nvSpPr>
+          <p:cNvPr id="2" name="Título 1"/>
+          <p:cNvSpPr>
+            <a:spLocks noGrp="1"/>
+          </p:cNvSpPr>
+          <p:nvPr>
+            <p:ph type="title"/>
+          </p:nvPr>
+        </p:nvSpPr>
+        <p:spPr>
+          <a:xfrm>
+            <a:off x="2592925" y="624110"/>
+            <a:ext cx="8911687" cy="1280890"/>
+          </a:xfrm>
+        </p:spPr>
+        <p:txBody>
+          <a:bodyPr/>
+          <a:lstStyle/>
+          <a:p>
+            <a:r>
+              <a:rPr lang="pt-BR" b="1" dirty="0"/>
+              <a:t>6.3.2 Sequenciar as atividades: ferramentas e técnicas</a:t>
+            </a:r>
+            <a:endParaRPr lang="pt-BR" dirty="0"/>
+          </a:p>
+        </p:txBody>
+      </p:sp>
+      <p:sp>
+        <p:nvSpPr>
+          <p:cNvPr id="3" name="Espaço Reservado para Conteúdo 2"/>
+          <p:cNvSpPr>
+            <a:spLocks noGrp="1"/>
+          </p:cNvSpPr>
+          <p:nvPr>
+            <p:ph idx="1"/>
+          </p:nvPr>
+        </p:nvSpPr>
+        <p:spPr>
+          <a:xfrm>
+            <a:off x="2589212" y="2133600"/>
+            <a:ext cx="8915400" cy="3777622"/>
+          </a:xfrm>
+        </p:spPr>
+        <p:txBody>
+          <a:bodyPr>
+            <a:normAutofit/>
+          </a:bodyPr>
+          <a:lstStyle/>
+          <a:p>
+            <a:r>
+              <a:rPr lang="pt-BR" b="1" dirty="0"/>
+              <a:t>6.3.2.3 Antecipações e esperas</a:t>
+            </a:r>
+          </a:p>
+          <a:p>
+            <a:pPr lvl="1"/>
+            <a:r>
+              <a:rPr lang="pt-BR" dirty="0"/>
+              <a:t>Uma antecipação (lead time) é a quantidade de tempo que uma atividade sucessora pode ser adiantada em relação a uma atividade predecessora. A antecipação é frequentemente representada como um valor negativo de espera no software de cronograma. Uma espera (</a:t>
+            </a:r>
+            <a:r>
+              <a:rPr lang="pt-BR" dirty="0" err="1"/>
+              <a:t>lag</a:t>
+            </a:r>
+            <a:r>
+              <a:rPr lang="pt-BR" dirty="0"/>
+              <a:t> time) é a quantidade de tempo que uma atividade sucessora será atrasada em relação a uma atividade predecessora</a:t>
+            </a:r>
+          </a:p>
+        </p:txBody>
+      </p:sp>
+      <p:sp>
+        <p:nvSpPr>
+          <p:cNvPr id="4" name="Espaço Reservado para Rodapé 3"/>
+          <p:cNvSpPr>
+            <a:spLocks noGrp="1"/>
+          </p:cNvSpPr>
+          <p:nvPr>
+            <p:ph type="ftr" sz="quarter" idx="11"/>
+          </p:nvPr>
+        </p:nvSpPr>
+        <p:spPr>
+          <a:xfrm>
+            <a:off x="2589212" y="6135808"/>
+            <a:ext cx="7619999" cy="365125"/>
+          </a:xfrm>
+        </p:spPr>
+        <p:txBody>
+          <a:bodyPr/>
+          <a:lstStyle/>
+          <a:p>
+            <a:r>
+              <a:rPr lang="pt-BR" dirty="0"/>
+              <a:t>Gestão de Tempo</a:t>
+            </a:r>
+          </a:p>
+        </p:txBody>
+      </p:sp>
+      <p:sp>
+        <p:nvSpPr>
+          <p:cNvPr id="5" name="Espaço Reservado para Número de Slide 4"/>
+          <p:cNvSpPr>
+            <a:spLocks noGrp="1"/>
+          </p:cNvSpPr>
+          <p:nvPr>
+            <p:ph type="sldNum" sz="quarter" idx="12"/>
+          </p:nvPr>
+        </p:nvSpPr>
+        <p:spPr>
+          <a:xfrm>
+            <a:off x="531812" y="787782"/>
+            <a:ext cx="779767" cy="365125"/>
+          </a:xfrm>
+        </p:spPr>
+        <p:txBody>
+          <a:bodyPr/>
+          <a:lstStyle/>
+          <a:p>
+            <a:fld id="{E00582C5-1892-4DFB-94B5-D9561028E520}" type="slidenum">
+              <a:rPr lang="pt-BR" smtClean="0"/>
+              <a:t>23</a:t>
+            </a:fld>
+            <a:endParaRPr lang="pt-BR"/>
+          </a:p>
+        </p:txBody>
+      </p:sp>
+      <p:pic>
+        <p:nvPicPr>
+          <p:cNvPr id="1026" name="Picture 2" descr="http://i1.wp.com/www.diegomacedo.com.br/wp-content/uploads/2014/06/antecipa%C3%A7%C3%A3o-e-espera.jpg"/>
+          <p:cNvPicPr>
+            <a:picLocks noChangeAspect="1" noChangeArrowheads="1"/>
+          </p:cNvPicPr>
+          <p:nvPr/>
+        </p:nvPicPr>
+        <p:blipFill>
+          <a:blip r:embed="rId2">
+            <a:extLst>
+              <a:ext uri="{28A0092B-C50C-407E-A947-70E740481C1C}">
+                <a14:useLocalDpi xmlns:a14="http://schemas.microsoft.com/office/drawing/2010/main" val="0"/>
+              </a:ext>
+            </a:extLst>
+          </a:blip>
+          <a:srcRect/>
+          <a:stretch>
+            <a:fillRect/>
+          </a:stretch>
+        </p:blipFill>
+        <p:spPr bwMode="auto">
+          <a:xfrm>
+            <a:off x="4956174" y="4130992"/>
+            <a:ext cx="4181475" cy="1628776"/>
+          </a:xfrm>
+          <a:prstGeom prst="rect">
+            <a:avLst/>
+          </a:prstGeom>
+          <a:noFill/>
+          <a:extLst>
+            <a:ext uri="{909E8E84-426E-40DD-AFC4-6F175D3DCCD1}">
+              <a14:hiddenFill xmlns:a14="http://schemas.microsoft.com/office/drawing/2010/main">
+                <a:solidFill>
+                  <a:srgbClr val="FFFFFF"/>
+                </a:solidFill>
+              </a14:hiddenFill>
+            </a:ext>
+          </a:extLst>
+        </p:spPr>
+      </p:pic>
+    </p:spTree>
+    <p:extLst>
+      <p:ext uri="{BB962C8B-B14F-4D97-AF65-F5344CB8AC3E}">
+        <p14:creationId xmlns:p14="http://schemas.microsoft.com/office/powerpoint/2010/main" val="2278877972"/>
+      </p:ext>
+    </p:extLst>
+  </p:cSld>
+  <p:clrMapOvr>
+    <a:masterClrMapping/>
+  </p:clrMapOvr>
+</p:sld>
+</file>
+
+<file path=ppt/slides/slide24.xml><?xml version="1.0" encoding="utf-8"?>
+<p:sld xmlns:a="http://schemas.openxmlformats.org/drawingml/2006/main" xmlns:r="http://schemas.openxmlformats.org/officeDocument/2006/relationships" xmlns:p="http://schemas.openxmlformats.org/presentationml/2006/main">
+  <p:cSld>
+    <p:spTree>
+      <p:nvGrpSpPr>
+        <p:cNvPr id="1" name=""/>
+        <p:cNvGrpSpPr/>
+        <p:nvPr/>
+      </p:nvGrpSpPr>
+      <p:grpSpPr>
+        <a:xfrm>
+          <a:off x="0" y="0"/>
+          <a:ext cx="0" cy="0"/>
+          <a:chOff x="0" y="0"/>
+          <a:chExt cx="0" cy="0"/>
+        </a:xfrm>
+      </p:grpSpPr>
+      <p:sp>
+        <p:nvSpPr>
+          <p:cNvPr id="2" name="Título 1"/>
+          <p:cNvSpPr>
+            <a:spLocks noGrp="1"/>
+          </p:cNvSpPr>
+          <p:nvPr>
+            <p:ph type="title"/>
+          </p:nvPr>
+        </p:nvSpPr>
+        <p:spPr/>
+        <p:txBody>
+          <a:bodyPr/>
+          <a:lstStyle/>
+          <a:p>
+            <a:r>
+              <a:rPr lang="pt-BR" b="1" dirty="0"/>
+              <a:t>6.3.3 Sequenciar as atividades: saídas</a:t>
+            </a:r>
+            <a:endParaRPr lang="pt-BR" dirty="0"/>
+          </a:p>
+        </p:txBody>
+      </p:sp>
+      <p:sp>
+        <p:nvSpPr>
+          <p:cNvPr id="3" name="Espaço Reservado para Conteúdo 2"/>
+          <p:cNvSpPr>
+            <a:spLocks noGrp="1"/>
+          </p:cNvSpPr>
+          <p:nvPr>
+            <p:ph idx="1"/>
+          </p:nvPr>
+        </p:nvSpPr>
+        <p:spPr/>
+        <p:txBody>
+          <a:bodyPr>
+            <a:normAutofit/>
+          </a:bodyPr>
+          <a:lstStyle/>
+          <a:p>
+            <a:r>
+              <a:rPr lang="pt-BR" b="1" dirty="0"/>
+              <a:t>6.3.3.1 Diagramas de rede do cronograma do projeto</a:t>
+            </a:r>
+          </a:p>
+          <a:p>
+            <a:pPr lvl="1"/>
+            <a:r>
+              <a:rPr lang="pt-BR" dirty="0"/>
+              <a:t>Um diagrama de rede do cronograma do projeto é uma representação gráfica das relações lógicas, também chamadas de dependências, entre as atividades do cronograma do projeto.</a:t>
+            </a:r>
+            <a:endParaRPr lang="pt-BR" b="1" dirty="0"/>
+          </a:p>
+          <a:p>
+            <a:r>
+              <a:rPr lang="pt-BR" b="1" dirty="0"/>
+              <a:t>6.3.3.2 Atualizações nos documentos do projeto</a:t>
+            </a:r>
+          </a:p>
+          <a:p>
+            <a:pPr lvl="1"/>
+            <a:r>
+              <a:rPr lang="pt-BR" dirty="0"/>
+              <a:t>Documentos do projeto que podem ser atualizados incluem, mas não estão limitados, a: lista de atividades, atributos das atividades, lista de marcos, e registro dos riscos.</a:t>
+            </a:r>
+          </a:p>
+        </p:txBody>
+      </p:sp>
+      <p:sp>
+        <p:nvSpPr>
+          <p:cNvPr id="4" name="Espaço Reservado para Rodapé 3"/>
+          <p:cNvSpPr>
+            <a:spLocks noGrp="1"/>
+          </p:cNvSpPr>
+          <p:nvPr>
+            <p:ph type="ftr" sz="quarter" idx="11"/>
+          </p:nvPr>
+        </p:nvSpPr>
+        <p:spPr/>
+        <p:txBody>
+          <a:bodyPr/>
+          <a:lstStyle/>
+          <a:p>
+            <a:r>
+              <a:rPr lang="pt-BR"/>
+              <a:t>Gestão de Tempo</a:t>
+            </a:r>
+          </a:p>
+        </p:txBody>
+      </p:sp>
+      <p:sp>
+        <p:nvSpPr>
+          <p:cNvPr id="5" name="Espaço Reservado para Número de Slide 4"/>
+          <p:cNvSpPr>
+            <a:spLocks noGrp="1"/>
+          </p:cNvSpPr>
+          <p:nvPr>
+            <p:ph type="sldNum" sz="quarter" idx="12"/>
+          </p:nvPr>
+        </p:nvSpPr>
+        <p:spPr/>
+        <p:txBody>
+          <a:bodyPr/>
+          <a:lstStyle/>
+          <a:p>
+            <a:fld id="{E00582C5-1892-4DFB-94B5-D9561028E520}" type="slidenum">
+              <a:rPr lang="pt-BR" smtClean="0"/>
+              <a:t>24</a:t>
+            </a:fld>
+            <a:endParaRPr lang="pt-BR"/>
+          </a:p>
+        </p:txBody>
+      </p:sp>
+    </p:spTree>
+    <p:extLst>
+      <p:ext uri="{BB962C8B-B14F-4D97-AF65-F5344CB8AC3E}">
+        <p14:creationId xmlns:p14="http://schemas.microsoft.com/office/powerpoint/2010/main" val="138494814"/>
+      </p:ext>
+    </p:extLst>
+  </p:cSld>
+  <p:clrMapOvr>
+    <a:masterClrMapping/>
+  </p:clrMapOvr>
+</p:sld>
+</file>
+
+<file path=ppt/slides/slide25.xml><?xml version="1.0" encoding="utf-8"?>
+<p:sld xmlns:a="http://schemas.openxmlformats.org/drawingml/2006/main" xmlns:r="http://schemas.openxmlformats.org/officeDocument/2006/relationships" xmlns:p="http://schemas.openxmlformats.org/presentationml/2006/main">
+  <p:cSld>
+    <p:spTree>
+      <p:nvGrpSpPr>
+        <p:cNvPr id="1" name=""/>
+        <p:cNvGrpSpPr/>
+        <p:nvPr/>
+      </p:nvGrpSpPr>
+      <p:grpSpPr>
+        <a:xfrm>
+          <a:off x="0" y="0"/>
+          <a:ext cx="0" cy="0"/>
+          <a:chOff x="0" y="0"/>
+          <a:chExt cx="0" cy="0"/>
+        </a:xfrm>
+      </p:grpSpPr>
+      <p:sp>
+        <p:nvSpPr>
+          <p:cNvPr id="2" name="Título 1"/>
+          <p:cNvSpPr>
+            <a:spLocks noGrp="1"/>
+          </p:cNvSpPr>
+          <p:nvPr>
+            <p:ph type="title"/>
+          </p:nvPr>
+        </p:nvSpPr>
+        <p:spPr/>
+        <p:txBody>
+          <a:bodyPr/>
+          <a:lstStyle/>
+          <a:p>
+            <a:r>
+              <a:rPr lang="pt-BR" dirty="0"/>
+              <a:t>Elton – Desenvolvimento.</a:t>
+            </a:r>
+          </a:p>
+        </p:txBody>
+      </p:sp>
+      <p:sp>
+        <p:nvSpPr>
+          <p:cNvPr id="3" name="Espaço Reservado para Conteúdo 2"/>
+          <p:cNvSpPr>
+            <a:spLocks noGrp="1"/>
+          </p:cNvSpPr>
+          <p:nvPr>
+            <p:ph idx="1"/>
+          </p:nvPr>
+        </p:nvSpPr>
+        <p:spPr/>
+        <p:txBody>
+          <a:bodyPr/>
+          <a:lstStyle/>
+          <a:p>
+            <a:endParaRPr lang="pt-BR"/>
+          </a:p>
+        </p:txBody>
+      </p:sp>
+      <p:sp>
+        <p:nvSpPr>
+          <p:cNvPr id="4" name="Espaço Reservado para Rodapé 3"/>
+          <p:cNvSpPr>
+            <a:spLocks noGrp="1"/>
+          </p:cNvSpPr>
+          <p:nvPr>
+            <p:ph type="ftr" sz="quarter" idx="11"/>
+          </p:nvPr>
+        </p:nvSpPr>
+        <p:spPr/>
+        <p:txBody>
+          <a:bodyPr/>
+          <a:lstStyle/>
+          <a:p>
+            <a:r>
+              <a:rPr lang="pt-BR"/>
+              <a:t>Gestão de Tempo</a:t>
+            </a:r>
+          </a:p>
+        </p:txBody>
+      </p:sp>
+      <p:sp>
+        <p:nvSpPr>
+          <p:cNvPr id="5" name="Espaço Reservado para Número de Slide 4"/>
+          <p:cNvSpPr>
+            <a:spLocks noGrp="1"/>
+          </p:cNvSpPr>
+          <p:nvPr>
+            <p:ph type="sldNum" sz="quarter" idx="12"/>
+          </p:nvPr>
+        </p:nvSpPr>
+        <p:spPr/>
+        <p:txBody>
+          <a:bodyPr/>
+          <a:lstStyle/>
+          <a:p>
+            <a:fld id="{E00582C5-1892-4DFB-94B5-D9561028E520}" type="slidenum">
+              <a:rPr lang="pt-BR" smtClean="0"/>
+              <a:t>25</a:t>
+            </a:fld>
+            <a:endParaRPr lang="pt-BR"/>
+          </a:p>
+        </p:txBody>
+      </p:sp>
+    </p:spTree>
+    <p:extLst>
+      <p:ext uri="{BB962C8B-B14F-4D97-AF65-F5344CB8AC3E}">
+        <p14:creationId xmlns:p14="http://schemas.microsoft.com/office/powerpoint/2010/main" val="3475372586"/>
+      </p:ext>
+    </p:extLst>
+  </p:cSld>
+  <p:clrMapOvr>
+    <a:masterClrMapping/>
+  </p:clrMapOvr>
+</p:sld>
+</file>
+
+<file path=ppt/slides/slide26.xml><?xml version="1.0" encoding="utf-8"?>
+<p:sld xmlns:a="http://schemas.openxmlformats.org/drawingml/2006/main" xmlns:r="http://schemas.openxmlformats.org/officeDocument/2006/relationships" xmlns:p="http://schemas.openxmlformats.org/presentationml/2006/main">
+  <p:cSld>
+    <p:spTree>
+      <p:nvGrpSpPr>
+        <p:cNvPr id="1" name=""/>
+        <p:cNvGrpSpPr/>
+        <p:nvPr/>
+      </p:nvGrpSpPr>
+      <p:grpSpPr>
+        <a:xfrm>
+          <a:off x="0" y="0"/>
+          <a:ext cx="0" cy="0"/>
+          <a:chOff x="0" y="0"/>
+          <a:chExt cx="0" cy="0"/>
+        </a:xfrm>
+      </p:grpSpPr>
+      <p:sp>
+        <p:nvSpPr>
+          <p:cNvPr id="2" name="Título 1"/>
+          <p:cNvSpPr>
+            <a:spLocks noGrp="1"/>
+          </p:cNvSpPr>
+          <p:nvPr>
+            <p:ph type="title"/>
+          </p:nvPr>
+        </p:nvSpPr>
+        <p:spPr/>
+        <p:txBody>
+          <a:bodyPr>
+            <a:normAutofit/>
+          </a:bodyPr>
+          <a:lstStyle/>
+          <a:p>
+            <a:r>
+              <a:rPr lang="pt-BR" dirty="0"/>
+              <a:t>Rodrigo – Desenvolvimento e conclusão.</a:t>
+            </a:r>
+          </a:p>
+        </p:txBody>
+      </p:sp>
+      <p:sp>
+        <p:nvSpPr>
+          <p:cNvPr id="3" name="Espaço Reservado para Conteúdo 2"/>
+          <p:cNvSpPr>
+            <a:spLocks noGrp="1"/>
+          </p:cNvSpPr>
+          <p:nvPr>
+            <p:ph idx="1"/>
+          </p:nvPr>
+        </p:nvSpPr>
+        <p:spPr/>
+        <p:txBody>
+          <a:bodyPr/>
+          <a:lstStyle/>
+          <a:p>
+            <a:endParaRPr lang="pt-BR" dirty="0"/>
+          </a:p>
+        </p:txBody>
+      </p:sp>
+      <p:sp>
+        <p:nvSpPr>
+          <p:cNvPr id="4" name="Espaço Reservado para Rodapé 3"/>
+          <p:cNvSpPr>
+            <a:spLocks noGrp="1"/>
+          </p:cNvSpPr>
+          <p:nvPr>
+            <p:ph type="ftr" sz="quarter" idx="11"/>
+          </p:nvPr>
+        </p:nvSpPr>
+        <p:spPr/>
+        <p:txBody>
+          <a:bodyPr/>
+          <a:lstStyle/>
+          <a:p>
+            <a:r>
+              <a:rPr lang="pt-BR"/>
+              <a:t>Gestão de Tempo</a:t>
+            </a:r>
+          </a:p>
+        </p:txBody>
+      </p:sp>
+      <p:sp>
+        <p:nvSpPr>
+          <p:cNvPr id="5" name="Espaço Reservado para Número de Slide 4"/>
+          <p:cNvSpPr>
+            <a:spLocks noGrp="1"/>
+          </p:cNvSpPr>
+          <p:nvPr>
+            <p:ph type="sldNum" sz="quarter" idx="12"/>
+          </p:nvPr>
+        </p:nvSpPr>
+        <p:spPr/>
+        <p:txBody>
+          <a:bodyPr/>
+          <a:lstStyle/>
+          <a:p>
+            <a:fld id="{E00582C5-1892-4DFB-94B5-D9561028E520}" type="slidenum">
+              <a:rPr lang="pt-BR" smtClean="0"/>
+              <a:t>26</a:t>
+            </a:fld>
+            <a:endParaRPr lang="pt-BR"/>
+          </a:p>
+        </p:txBody>
+      </p:sp>
+    </p:spTree>
+    <p:extLst>
+      <p:ext uri="{BB962C8B-B14F-4D97-AF65-F5344CB8AC3E}">
+        <p14:creationId xmlns:p14="http://schemas.microsoft.com/office/powerpoint/2010/main" val="3935678412"/>
+      </p:ext>
+    </p:extLst>
+  </p:cSld>
+  <p:clrMapOvr>
+    <a:masterClrMapping/>
+  </p:clrMapOvr>
+</p:sld>
+</file>
+
+<file path=ppt/slides/slide27.xml><?xml version="1.0" encoding="utf-8"?>
+<p:sld xmlns:a="http://schemas.openxmlformats.org/drawingml/2006/main" xmlns:r="http://schemas.openxmlformats.org/officeDocument/2006/relationships" xmlns:p="http://schemas.openxmlformats.org/presentationml/2006/main">
+  <p:cSld>
+    <p:spTree>
+      <p:nvGrpSpPr>
+        <p:cNvPr id="1" name=""/>
+        <p:cNvGrpSpPr/>
+        <p:nvPr/>
+      </p:nvGrpSpPr>
+      <p:grpSpPr>
+        <a:xfrm>
+          <a:off x="0" y="0"/>
+          <a:ext cx="0" cy="0"/>
+          <a:chOff x="0" y="0"/>
+          <a:chExt cx="0" cy="0"/>
+        </a:xfrm>
+      </p:grpSpPr>
+      <p:sp>
+        <p:nvSpPr>
+          <p:cNvPr id="2" name="Título 1"/>
+          <p:cNvSpPr>
+            <a:spLocks noGrp="1"/>
+          </p:cNvSpPr>
+          <p:nvPr>
+            <p:ph type="title"/>
+          </p:nvPr>
+        </p:nvSpPr>
+        <p:spPr/>
+        <p:txBody>
+          <a:bodyPr/>
+          <a:lstStyle/>
+          <a:p>
+            <a:r>
+              <a:rPr lang="pt-BR" dirty="0"/>
+              <a:t>Bibliografia.</a:t>
+            </a:r>
+          </a:p>
+        </p:txBody>
+      </p:sp>
+      <p:sp>
+        <p:nvSpPr>
+          <p:cNvPr id="3" name="Espaço Reservado para Conteúdo 2"/>
+          <p:cNvSpPr>
+            <a:spLocks noGrp="1"/>
+          </p:cNvSpPr>
+          <p:nvPr>
+            <p:ph idx="1"/>
+          </p:nvPr>
+        </p:nvSpPr>
+        <p:spPr/>
+        <p:txBody>
+          <a:bodyPr/>
+          <a:lstStyle/>
+          <a:p>
+            <a:r>
+              <a:rPr lang="pt-BR" dirty="0">
+                <a:hlinkClick r:id="rId2"/>
+              </a:rPr>
+              <a:t>http://michaelis.uol.com.br/moderno/portugues/index.php?lingua=portugues-portugues&amp;palavra=prazo</a:t>
+            </a:r>
+            <a:endParaRPr lang="pt-BR" dirty="0"/>
+          </a:p>
+          <a:p>
+            <a:r>
+              <a:rPr lang="pt-BR" dirty="0"/>
+              <a:t>http://www.diegomacedo.com.br/gerenciamento-do-tempo-do-projeto-pmbok-5a-ed/</a:t>
+            </a:r>
+          </a:p>
+        </p:txBody>
+      </p:sp>
+      <p:sp>
+        <p:nvSpPr>
+          <p:cNvPr id="4" name="Espaço Reservado para Rodapé 3"/>
+          <p:cNvSpPr>
+            <a:spLocks noGrp="1"/>
+          </p:cNvSpPr>
+          <p:nvPr>
+            <p:ph type="ftr" sz="quarter" idx="11"/>
+          </p:nvPr>
+        </p:nvSpPr>
+        <p:spPr/>
+        <p:txBody>
+          <a:bodyPr/>
+          <a:lstStyle/>
+          <a:p>
+            <a:r>
+              <a:rPr lang="pt-BR"/>
+              <a:t>Gestão de Tempo</a:t>
+            </a:r>
+          </a:p>
+        </p:txBody>
+      </p:sp>
+      <p:sp>
+        <p:nvSpPr>
+          <p:cNvPr id="5" name="Espaço Reservado para Número de Slide 4"/>
+          <p:cNvSpPr>
+            <a:spLocks noGrp="1"/>
+          </p:cNvSpPr>
+          <p:nvPr>
+            <p:ph type="sldNum" sz="quarter" idx="12"/>
+          </p:nvPr>
+        </p:nvSpPr>
+        <p:spPr/>
+        <p:txBody>
+          <a:bodyPr/>
+          <a:lstStyle/>
+          <a:p>
+            <a:fld id="{E00582C5-1892-4DFB-94B5-D9561028E520}" type="slidenum">
+              <a:rPr lang="pt-BR" smtClean="0"/>
+              <a:t>27</a:t>
+            </a:fld>
+            <a:endParaRPr lang="pt-BR"/>
+          </a:p>
+        </p:txBody>
+      </p:sp>
+    </p:spTree>
+    <p:extLst>
+      <p:ext uri="{BB962C8B-B14F-4D97-AF65-F5344CB8AC3E}">
+        <p14:creationId xmlns:p14="http://schemas.microsoft.com/office/powerpoint/2010/main" val="1802399433"/>
+      </p:ext>
+    </p:extLst>
+  </p:cSld>
+  <p:clrMapOvr>
+    <a:masterClrMapping/>
+  </p:clrMapOvr>
+</p:sld>
+</file>
+
 <file path=ppt/slides/slide3.xml><?xml version="1.0" encoding="utf-8"?>
 <p:sld xmlns:a="http://schemas.openxmlformats.org/drawingml/2006/main" xmlns:r="http://schemas.openxmlformats.org/officeDocument/2006/relationships" xmlns:p="http://schemas.openxmlformats.org/presentationml/2006/main">
   <p:cSld>
@@ -11996,12 +14442,8 @@
           <a:lstStyle/>
           <a:p>
             <a:r>
-              <a:rPr lang="pt-BR" dirty="0" err="1"/>
-              <a:t>Conceio</a:t>
-            </a:r>
-            <a:r>
-              <a:rPr lang="pt-BR" dirty="0"/>
-              <a:t> de Tempo e Definição de prazo</a:t>
+              <a:rPr lang="pt-BR" dirty="0"/>
+              <a:t>Conceito de Tempo e Definição de prazo</a:t>
             </a:r>
           </a:p>
         </p:txBody>
@@ -12746,7 +15188,7 @@
           <a:lstStyle/>
           <a:p>
             <a:r>
-              <a:rPr lang="pt-BR" dirty="0"/>
+              <a:rPr lang="pt-BR" b="1" dirty="0"/>
               <a:t>6.1 Planejar o gerenciamento do cronograma</a:t>
             </a:r>
           </a:p>
@@ -12918,6 +15360,11 @@
 <file path=ppt/slides/slide9.xml><?xml version="1.0" encoding="utf-8"?>
 <p:sld xmlns:a="http://schemas.openxmlformats.org/drawingml/2006/main" xmlns:r="http://schemas.openxmlformats.org/officeDocument/2006/relationships" xmlns:p="http://schemas.openxmlformats.org/presentationml/2006/main">
   <p:cSld>
+    <p:bg>
+      <p:bgRef idx="1003">
+        <a:schemeClr val="bg2"/>
+      </p:bgRef>
+    </p:bg>
     <p:spTree>
       <p:nvGrpSpPr>
         <p:cNvPr id="1" name=""/>
@@ -12988,7 +15435,7 @@
             <a:pPr lvl="1"/>
             <a:r>
               <a:rPr lang="pt-BR" dirty="0"/>
-              <a:t>Linha de base do escopo(Especificação do escopo do projeto e detalhes da estrutura analítica do projeto(EAP)) e a outras informações.</a:t>
+              <a:t>Linha de base do escopo(Especificação do escopo do projeto e detalhes da estrutura analítica do projeto(EAP)) e a outras informações. (Seção 4.2.3.1)</a:t>
             </a:r>
           </a:p>
           <a:p>
@@ -13001,7 +15448,7 @@
             <a:pPr lvl="1"/>
             <a:r>
               <a:rPr lang="pt-BR" dirty="0"/>
-              <a:t>Apesenta o resumo do cronograma de marcos e os requisitos de aprovação do projeto que influenciarão o gerenciamento do cronograma do projeto.</a:t>
+              <a:t>Apesenta o resumo do cronograma de marcos e os requisitos de aprovação do projeto que influenciarão o gerenciamento do cronograma do projeto. (Seção 4.1.3.1)</a:t>
             </a:r>
             <a:endParaRPr lang="pt-BR" b="1" dirty="0"/>
           </a:p>
@@ -13015,14 +15462,14 @@
             <a:pPr lvl="1"/>
             <a:r>
               <a:rPr lang="pt-BR" dirty="0"/>
-              <a:t>Influenciam o processo Planejar o gerenciamento do cronograma incluem, mas não estão limitados, a:</a:t>
+              <a:t>Influenciam o processo de  planejar o gerenciamento do cronograma e incluem, mas não estão limitados, a:</a:t>
             </a:r>
           </a:p>
           <a:p>
             <a:pPr lvl="1"/>
             <a:r>
               <a:rPr lang="pt-BR" dirty="0"/>
-              <a:t>Estrutura e cultura, disponibilidade de recursos e habilidades, informações comerciais publicadas e Sistemas organizacionais de autorização do trabalho.</a:t>
+              <a:t>Estrutura e cultura, disponibilidade de recursos e habilidades, informações comerciais publicadas e Sistemas organizacionais de autorização do trabalho. (Seção 2.1.5)</a:t>
             </a:r>
           </a:p>
           <a:p>
@@ -13035,14 +15482,7 @@
             <a:pPr lvl="1"/>
             <a:r>
               <a:rPr lang="pt-BR" dirty="0"/>
-              <a:t>Influenciam o processo Planejar o gerenciamento do cronograma incluem, mas não estão limitados, a:</a:t>
-            </a:r>
-          </a:p>
-          <a:p>
-            <a:pPr lvl="1"/>
-            <a:r>
-              <a:rPr lang="pt-BR" dirty="0"/>
-              <a:t>Ferramentas de monitoramento, informações históricas, ferramentas de controle do cronograma, modelos, diretrizes para o encerramento do projeto, procedimento de controle das mudanças e riscos.</a:t>
+              <a:t>Influenciam o processo de planejar o gerenciamento do cronograma e incluem, mas não estão limitados, a: Ferramentas de monitoramento, informações históricas, ferramentas de controle do cronograma, modelos, diretrizes para o encerramento do projeto, procedimento de controle das mudanças e riscos. (Seção 2.1.4)</a:t>
             </a:r>
           </a:p>
         </p:txBody>
@@ -13100,7 +15540,7 @@
     </p:extLst>
   </p:cSld>
   <p:clrMapOvr>
-    <a:masterClrMapping/>
+    <a:overrideClrMapping bg1="lt1" tx1="dk1" bg2="lt2" tx2="dk2" accent1="accent1" accent2="accent2" accent3="accent3" accent4="accent4" accent5="accent5" accent6="accent6" hlink="hlink" folHlink="folHlink"/>
   </p:clrMapOvr>
 </p:sld>
 </file>
@@ -13860,4 +16300,47 @@
     </a:ext>
   </a:extLst>
 </a:theme>
+</file>
+
+<file path=ppt/theme/themeOverride1.xml><?xml version="1.0" encoding="utf-8"?>
+<a:themeOverride xmlns:a="http://schemas.openxmlformats.org/drawingml/2006/main">
+  <a:clrScheme name="Cacho">
+    <a:dk1>
+      <a:sysClr val="windowText" lastClr="000000"/>
+    </a:dk1>
+    <a:lt1>
+      <a:sysClr val="window" lastClr="FFFFFF"/>
+    </a:lt1>
+    <a:dk2>
+      <a:srgbClr val="766F54"/>
+    </a:dk2>
+    <a:lt2>
+      <a:srgbClr val="E3EACF"/>
+    </a:lt2>
+    <a:accent1>
+      <a:srgbClr val="A53010"/>
+    </a:accent1>
+    <a:accent2>
+      <a:srgbClr val="DE7E18"/>
+    </a:accent2>
+    <a:accent3>
+      <a:srgbClr val="9F8351"/>
+    </a:accent3>
+    <a:accent4>
+      <a:srgbClr val="728653"/>
+    </a:accent4>
+    <a:accent5>
+      <a:srgbClr val="92AA4C"/>
+    </a:accent5>
+    <a:accent6>
+      <a:srgbClr val="6AAC91"/>
+    </a:accent6>
+    <a:hlink>
+      <a:srgbClr val="FB4A18"/>
+    </a:hlink>
+    <a:folHlink>
+      <a:srgbClr val="FB9318"/>
+    </a:folHlink>
+  </a:clrScheme>
+</a:themeOverride>
 </file>